--- a/Interim_report/G080A010_莊東樺_期中報告_20200430.pptx
+++ b/Interim_report/G080A010_莊東樺_期中報告_20200430.pptx
@@ -9,6 +9,10 @@
     <p:sldId id="257" r:id="rId3"/>
     <p:sldId id="258" r:id="rId4"/>
     <p:sldId id="259" r:id="rId5"/>
+    <p:sldId id="260" r:id="rId6"/>
+    <p:sldId id="261" r:id="rId7"/>
+    <p:sldId id="262" r:id="rId8"/>
+    <p:sldId id="263" r:id="rId9"/>
   </p:sldIdLst>
   <p:sldSz cx="12192000" cy="6858000"/>
   <p:notesSz cx="6858000" cy="9144000"/>
@@ -107,6 +111,11 @@
       </a:defRPr>
     </a:lvl9pPr>
   </p:defaultTextStyle>
+  <p:extLst>
+    <p:ext uri="{EFAFB233-063F-42B5-8137-9DF3F51BA10A}">
+      <p15:sldGuideLst xmlns:p15="http://schemas.microsoft.com/office/powerpoint/2012/main"/>
+    </p:ext>
+  </p:extLst>
 </p:presentation>
 </file>
 
@@ -152,7 +161,7 @@
           </a:lstStyle>
           <a:p>
             <a:r>
-              <a:rPr lang="zh-TW" altLang="en-US" smtClean="0"/>
+              <a:rPr lang="zh-TW" altLang="en-US"/>
               <a:t>按一下以編輯母片標題樣式</a:t>
             </a:r>
             <a:endParaRPr lang="en-US"/>
@@ -217,7 +226,7 @@
           </a:lstStyle>
           <a:p>
             <a:r>
-              <a:rPr lang="zh-TW" altLang="en-US" smtClean="0"/>
+              <a:rPr lang="zh-TW" altLang="en-US"/>
               <a:t>按一下以編輯母片副標題樣式</a:t>
             </a:r>
             <a:endParaRPr lang="en-US"/>
@@ -241,7 +250,7 @@
           <a:p>
             <a:fld id="{4474B3D6-8EA9-4D80-86AF-FA156487AD40}" type="datetimeFigureOut">
               <a:rPr lang="en-US" smtClean="0"/>
-              <a:t>4/30/2020</a:t>
+              <a:t>5/6/2020</a:t>
             </a:fld>
             <a:endParaRPr lang="en-US"/>
           </a:p>
@@ -335,7 +344,7 @@
           <a:lstStyle/>
           <a:p>
             <a:r>
-              <a:rPr lang="zh-TW" altLang="en-US" smtClean="0"/>
+              <a:rPr lang="zh-TW" altLang="en-US"/>
               <a:t>按一下以編輯母片標題樣式</a:t>
             </a:r>
             <a:endParaRPr lang="en-US"/>
@@ -359,35 +368,35 @@
           <a:p>
             <a:pPr lvl="0"/>
             <a:r>
-              <a:rPr lang="zh-TW" altLang="en-US" smtClean="0"/>
+              <a:rPr lang="zh-TW" altLang="en-US"/>
               <a:t>編輯母片文字樣式</a:t>
             </a:r>
           </a:p>
           <a:p>
             <a:pPr lvl="1"/>
             <a:r>
-              <a:rPr lang="zh-TW" altLang="en-US" smtClean="0"/>
+              <a:rPr lang="zh-TW" altLang="en-US"/>
               <a:t>第二層</a:t>
             </a:r>
           </a:p>
           <a:p>
             <a:pPr lvl="2"/>
             <a:r>
-              <a:rPr lang="zh-TW" altLang="en-US" smtClean="0"/>
+              <a:rPr lang="zh-TW" altLang="en-US"/>
               <a:t>第三層</a:t>
             </a:r>
           </a:p>
           <a:p>
             <a:pPr lvl="3"/>
             <a:r>
-              <a:rPr lang="zh-TW" altLang="en-US" smtClean="0"/>
+              <a:rPr lang="zh-TW" altLang="en-US"/>
               <a:t>第四層</a:t>
             </a:r>
           </a:p>
           <a:p>
             <a:pPr lvl="4"/>
             <a:r>
-              <a:rPr lang="zh-TW" altLang="en-US" smtClean="0"/>
+              <a:rPr lang="zh-TW" altLang="en-US"/>
               <a:t>第五層</a:t>
             </a:r>
             <a:endParaRPr lang="en-US"/>
@@ -411,7 +420,7 @@
           <a:p>
             <a:fld id="{4474B3D6-8EA9-4D80-86AF-FA156487AD40}" type="datetimeFigureOut">
               <a:rPr lang="en-US" smtClean="0"/>
-              <a:t>4/30/2020</a:t>
+              <a:t>5/6/2020</a:t>
             </a:fld>
             <a:endParaRPr lang="en-US"/>
           </a:p>
@@ -510,7 +519,7 @@
           <a:lstStyle/>
           <a:p>
             <a:r>
-              <a:rPr lang="zh-TW" altLang="en-US" smtClean="0"/>
+              <a:rPr lang="zh-TW" altLang="en-US"/>
               <a:t>按一下以編輯母片標題樣式</a:t>
             </a:r>
             <a:endParaRPr lang="en-US"/>
@@ -539,35 +548,35 @@
           <a:p>
             <a:pPr lvl="0"/>
             <a:r>
-              <a:rPr lang="zh-TW" altLang="en-US" smtClean="0"/>
+              <a:rPr lang="zh-TW" altLang="en-US"/>
               <a:t>編輯母片文字樣式</a:t>
             </a:r>
           </a:p>
           <a:p>
             <a:pPr lvl="1"/>
             <a:r>
-              <a:rPr lang="zh-TW" altLang="en-US" smtClean="0"/>
+              <a:rPr lang="zh-TW" altLang="en-US"/>
               <a:t>第二層</a:t>
             </a:r>
           </a:p>
           <a:p>
             <a:pPr lvl="2"/>
             <a:r>
-              <a:rPr lang="zh-TW" altLang="en-US" smtClean="0"/>
+              <a:rPr lang="zh-TW" altLang="en-US"/>
               <a:t>第三層</a:t>
             </a:r>
           </a:p>
           <a:p>
             <a:pPr lvl="3"/>
             <a:r>
-              <a:rPr lang="zh-TW" altLang="en-US" smtClean="0"/>
+              <a:rPr lang="zh-TW" altLang="en-US"/>
               <a:t>第四層</a:t>
             </a:r>
           </a:p>
           <a:p>
             <a:pPr lvl="4"/>
             <a:r>
-              <a:rPr lang="zh-TW" altLang="en-US" smtClean="0"/>
+              <a:rPr lang="zh-TW" altLang="en-US"/>
               <a:t>第五層</a:t>
             </a:r>
             <a:endParaRPr lang="en-US"/>
@@ -591,7 +600,7 @@
           <a:p>
             <a:fld id="{4474B3D6-8EA9-4D80-86AF-FA156487AD40}" type="datetimeFigureOut">
               <a:rPr lang="en-US" smtClean="0"/>
-              <a:t>4/30/2020</a:t>
+              <a:t>5/6/2020</a:t>
             </a:fld>
             <a:endParaRPr lang="en-US"/>
           </a:p>
@@ -685,7 +694,7 @@
           <a:lstStyle/>
           <a:p>
             <a:r>
-              <a:rPr lang="zh-TW" altLang="en-US" smtClean="0"/>
+              <a:rPr lang="zh-TW" altLang="en-US"/>
               <a:t>按一下以編輯母片標題樣式</a:t>
             </a:r>
             <a:endParaRPr lang="en-US"/>
@@ -709,35 +718,35 @@
           <a:p>
             <a:pPr lvl="0"/>
             <a:r>
-              <a:rPr lang="zh-TW" altLang="en-US" smtClean="0"/>
+              <a:rPr lang="zh-TW" altLang="en-US"/>
               <a:t>編輯母片文字樣式</a:t>
             </a:r>
           </a:p>
           <a:p>
             <a:pPr lvl="1"/>
             <a:r>
-              <a:rPr lang="zh-TW" altLang="en-US" smtClean="0"/>
+              <a:rPr lang="zh-TW" altLang="en-US"/>
               <a:t>第二層</a:t>
             </a:r>
           </a:p>
           <a:p>
             <a:pPr lvl="2"/>
             <a:r>
-              <a:rPr lang="zh-TW" altLang="en-US" smtClean="0"/>
+              <a:rPr lang="zh-TW" altLang="en-US"/>
               <a:t>第三層</a:t>
             </a:r>
           </a:p>
           <a:p>
             <a:pPr lvl="3"/>
             <a:r>
-              <a:rPr lang="zh-TW" altLang="en-US" smtClean="0"/>
+              <a:rPr lang="zh-TW" altLang="en-US"/>
               <a:t>第四層</a:t>
             </a:r>
           </a:p>
           <a:p>
             <a:pPr lvl="4"/>
             <a:r>
-              <a:rPr lang="zh-TW" altLang="en-US" smtClean="0"/>
+              <a:rPr lang="zh-TW" altLang="en-US"/>
               <a:t>第五層</a:t>
             </a:r>
             <a:endParaRPr lang="en-US"/>
@@ -761,7 +770,7 @@
           <a:p>
             <a:fld id="{4474B3D6-8EA9-4D80-86AF-FA156487AD40}" type="datetimeFigureOut">
               <a:rPr lang="en-US" smtClean="0"/>
-              <a:t>4/30/2020</a:t>
+              <a:t>5/6/2020</a:t>
             </a:fld>
             <a:endParaRPr lang="en-US"/>
           </a:p>
@@ -864,7 +873,7 @@
           </a:lstStyle>
           <a:p>
             <a:r>
-              <a:rPr lang="zh-TW" altLang="en-US" smtClean="0"/>
+              <a:rPr lang="zh-TW" altLang="en-US"/>
               <a:t>按一下以編輯母片標題樣式</a:t>
             </a:r>
             <a:endParaRPr lang="en-US"/>
@@ -984,7 +993,7 @@
           <a:p>
             <a:pPr lvl="0"/>
             <a:r>
-              <a:rPr lang="zh-TW" altLang="en-US" smtClean="0"/>
+              <a:rPr lang="zh-TW" altLang="en-US"/>
               <a:t>編輯母片文字樣式</a:t>
             </a:r>
           </a:p>
@@ -1007,7 +1016,7 @@
           <a:p>
             <a:fld id="{4474B3D6-8EA9-4D80-86AF-FA156487AD40}" type="datetimeFigureOut">
               <a:rPr lang="en-US" smtClean="0"/>
-              <a:t>4/30/2020</a:t>
+              <a:t>5/6/2020</a:t>
             </a:fld>
             <a:endParaRPr lang="en-US"/>
           </a:p>
@@ -1101,7 +1110,7 @@
           <a:lstStyle/>
           <a:p>
             <a:r>
-              <a:rPr lang="zh-TW" altLang="en-US" smtClean="0"/>
+              <a:rPr lang="zh-TW" altLang="en-US"/>
               <a:t>按一下以編輯母片標題樣式</a:t>
             </a:r>
             <a:endParaRPr lang="en-US"/>
@@ -1130,35 +1139,35 @@
           <a:p>
             <a:pPr lvl="0"/>
             <a:r>
-              <a:rPr lang="zh-TW" altLang="en-US" smtClean="0"/>
+              <a:rPr lang="zh-TW" altLang="en-US"/>
               <a:t>編輯母片文字樣式</a:t>
             </a:r>
           </a:p>
           <a:p>
             <a:pPr lvl="1"/>
             <a:r>
-              <a:rPr lang="zh-TW" altLang="en-US" smtClean="0"/>
+              <a:rPr lang="zh-TW" altLang="en-US"/>
               <a:t>第二層</a:t>
             </a:r>
           </a:p>
           <a:p>
             <a:pPr lvl="2"/>
             <a:r>
-              <a:rPr lang="zh-TW" altLang="en-US" smtClean="0"/>
+              <a:rPr lang="zh-TW" altLang="en-US"/>
               <a:t>第三層</a:t>
             </a:r>
           </a:p>
           <a:p>
             <a:pPr lvl="3"/>
             <a:r>
-              <a:rPr lang="zh-TW" altLang="en-US" smtClean="0"/>
+              <a:rPr lang="zh-TW" altLang="en-US"/>
               <a:t>第四層</a:t>
             </a:r>
           </a:p>
           <a:p>
             <a:pPr lvl="4"/>
             <a:r>
-              <a:rPr lang="zh-TW" altLang="en-US" smtClean="0"/>
+              <a:rPr lang="zh-TW" altLang="en-US"/>
               <a:t>第五層</a:t>
             </a:r>
             <a:endParaRPr lang="en-US"/>
@@ -1187,35 +1196,35 @@
           <a:p>
             <a:pPr lvl="0"/>
             <a:r>
-              <a:rPr lang="zh-TW" altLang="en-US" smtClean="0"/>
+              <a:rPr lang="zh-TW" altLang="en-US"/>
               <a:t>編輯母片文字樣式</a:t>
             </a:r>
           </a:p>
           <a:p>
             <a:pPr lvl="1"/>
             <a:r>
-              <a:rPr lang="zh-TW" altLang="en-US" smtClean="0"/>
+              <a:rPr lang="zh-TW" altLang="en-US"/>
               <a:t>第二層</a:t>
             </a:r>
           </a:p>
           <a:p>
             <a:pPr lvl="2"/>
             <a:r>
-              <a:rPr lang="zh-TW" altLang="en-US" smtClean="0"/>
+              <a:rPr lang="zh-TW" altLang="en-US"/>
               <a:t>第三層</a:t>
             </a:r>
           </a:p>
           <a:p>
             <a:pPr lvl="3"/>
             <a:r>
-              <a:rPr lang="zh-TW" altLang="en-US" smtClean="0"/>
+              <a:rPr lang="zh-TW" altLang="en-US"/>
               <a:t>第四層</a:t>
             </a:r>
           </a:p>
           <a:p>
             <a:pPr lvl="4"/>
             <a:r>
-              <a:rPr lang="zh-TW" altLang="en-US" smtClean="0"/>
+              <a:rPr lang="zh-TW" altLang="en-US"/>
               <a:t>第五層</a:t>
             </a:r>
             <a:endParaRPr lang="en-US"/>
@@ -1239,7 +1248,7 @@
           <a:p>
             <a:fld id="{4474B3D6-8EA9-4D80-86AF-FA156487AD40}" type="datetimeFigureOut">
               <a:rPr lang="en-US" smtClean="0"/>
-              <a:t>4/30/2020</a:t>
+              <a:t>5/6/2020</a:t>
             </a:fld>
             <a:endParaRPr lang="en-US"/>
           </a:p>
@@ -1338,7 +1347,7 @@
           <a:lstStyle/>
           <a:p>
             <a:r>
-              <a:rPr lang="zh-TW" altLang="en-US" smtClean="0"/>
+              <a:rPr lang="zh-TW" altLang="en-US"/>
               <a:t>按一下以編輯母片標題樣式</a:t>
             </a:r>
             <a:endParaRPr lang="en-US"/>
@@ -1404,7 +1413,7 @@
           <a:p>
             <a:pPr lvl="0"/>
             <a:r>
-              <a:rPr lang="zh-TW" altLang="en-US" smtClean="0"/>
+              <a:rPr lang="zh-TW" altLang="en-US"/>
               <a:t>編輯母片文字樣式</a:t>
             </a:r>
           </a:p>
@@ -1432,35 +1441,35 @@
           <a:p>
             <a:pPr lvl="0"/>
             <a:r>
-              <a:rPr lang="zh-TW" altLang="en-US" smtClean="0"/>
+              <a:rPr lang="zh-TW" altLang="en-US"/>
               <a:t>編輯母片文字樣式</a:t>
             </a:r>
           </a:p>
           <a:p>
             <a:pPr lvl="1"/>
             <a:r>
-              <a:rPr lang="zh-TW" altLang="en-US" smtClean="0"/>
+              <a:rPr lang="zh-TW" altLang="en-US"/>
               <a:t>第二層</a:t>
             </a:r>
           </a:p>
           <a:p>
             <a:pPr lvl="2"/>
             <a:r>
-              <a:rPr lang="zh-TW" altLang="en-US" smtClean="0"/>
+              <a:rPr lang="zh-TW" altLang="en-US"/>
               <a:t>第三層</a:t>
             </a:r>
           </a:p>
           <a:p>
             <a:pPr lvl="3"/>
             <a:r>
-              <a:rPr lang="zh-TW" altLang="en-US" smtClean="0"/>
+              <a:rPr lang="zh-TW" altLang="en-US"/>
               <a:t>第四層</a:t>
             </a:r>
           </a:p>
           <a:p>
             <a:pPr lvl="4"/>
             <a:r>
-              <a:rPr lang="zh-TW" altLang="en-US" smtClean="0"/>
+              <a:rPr lang="zh-TW" altLang="en-US"/>
               <a:t>第五層</a:t>
             </a:r>
             <a:endParaRPr lang="en-US"/>
@@ -1526,7 +1535,7 @@
           <a:p>
             <a:pPr lvl="0"/>
             <a:r>
-              <a:rPr lang="zh-TW" altLang="en-US" smtClean="0"/>
+              <a:rPr lang="zh-TW" altLang="en-US"/>
               <a:t>編輯母片文字樣式</a:t>
             </a:r>
           </a:p>
@@ -1554,35 +1563,35 @@
           <a:p>
             <a:pPr lvl="0"/>
             <a:r>
-              <a:rPr lang="zh-TW" altLang="en-US" smtClean="0"/>
+              <a:rPr lang="zh-TW" altLang="en-US"/>
               <a:t>編輯母片文字樣式</a:t>
             </a:r>
           </a:p>
           <a:p>
             <a:pPr lvl="1"/>
             <a:r>
-              <a:rPr lang="zh-TW" altLang="en-US" smtClean="0"/>
+              <a:rPr lang="zh-TW" altLang="en-US"/>
               <a:t>第二層</a:t>
             </a:r>
           </a:p>
           <a:p>
             <a:pPr lvl="2"/>
             <a:r>
-              <a:rPr lang="zh-TW" altLang="en-US" smtClean="0"/>
+              <a:rPr lang="zh-TW" altLang="en-US"/>
               <a:t>第三層</a:t>
             </a:r>
           </a:p>
           <a:p>
             <a:pPr lvl="3"/>
             <a:r>
-              <a:rPr lang="zh-TW" altLang="en-US" smtClean="0"/>
+              <a:rPr lang="zh-TW" altLang="en-US"/>
               <a:t>第四層</a:t>
             </a:r>
           </a:p>
           <a:p>
             <a:pPr lvl="4"/>
             <a:r>
-              <a:rPr lang="zh-TW" altLang="en-US" smtClean="0"/>
+              <a:rPr lang="zh-TW" altLang="en-US"/>
               <a:t>第五層</a:t>
             </a:r>
             <a:endParaRPr lang="en-US"/>
@@ -1606,7 +1615,7 @@
           <a:p>
             <a:fld id="{4474B3D6-8EA9-4D80-86AF-FA156487AD40}" type="datetimeFigureOut">
               <a:rPr lang="en-US" smtClean="0"/>
-              <a:t>4/30/2020</a:t>
+              <a:t>5/6/2020</a:t>
             </a:fld>
             <a:endParaRPr lang="en-US"/>
           </a:p>
@@ -1700,7 +1709,7 @@
           <a:lstStyle/>
           <a:p>
             <a:r>
-              <a:rPr lang="zh-TW" altLang="en-US" smtClean="0"/>
+              <a:rPr lang="zh-TW" altLang="en-US"/>
               <a:t>按一下以編輯母片標題樣式</a:t>
             </a:r>
             <a:endParaRPr lang="en-US"/>
@@ -1724,7 +1733,7 @@
           <a:p>
             <a:fld id="{4474B3D6-8EA9-4D80-86AF-FA156487AD40}" type="datetimeFigureOut">
               <a:rPr lang="en-US" smtClean="0"/>
-              <a:t>4/30/2020</a:t>
+              <a:t>5/6/2020</a:t>
             </a:fld>
             <a:endParaRPr lang="en-US"/>
           </a:p>
@@ -1819,7 +1828,7 @@
           <a:p>
             <a:fld id="{4474B3D6-8EA9-4D80-86AF-FA156487AD40}" type="datetimeFigureOut">
               <a:rPr lang="en-US" smtClean="0"/>
-              <a:t>4/30/2020</a:t>
+              <a:t>5/6/2020</a:t>
             </a:fld>
             <a:endParaRPr lang="en-US"/>
           </a:p>
@@ -1922,7 +1931,7 @@
           </a:lstStyle>
           <a:p>
             <a:r>
-              <a:rPr lang="zh-TW" altLang="en-US" smtClean="0"/>
+              <a:rPr lang="zh-TW" altLang="en-US"/>
               <a:t>按一下以編輯母片標題樣式</a:t>
             </a:r>
             <a:endParaRPr lang="en-US"/>
@@ -1979,35 +1988,35 @@
           <a:p>
             <a:pPr lvl="0"/>
             <a:r>
-              <a:rPr lang="zh-TW" altLang="en-US" smtClean="0"/>
+              <a:rPr lang="zh-TW" altLang="en-US"/>
               <a:t>編輯母片文字樣式</a:t>
             </a:r>
           </a:p>
           <a:p>
             <a:pPr lvl="1"/>
             <a:r>
-              <a:rPr lang="zh-TW" altLang="en-US" smtClean="0"/>
+              <a:rPr lang="zh-TW" altLang="en-US"/>
               <a:t>第二層</a:t>
             </a:r>
           </a:p>
           <a:p>
             <a:pPr lvl="2"/>
             <a:r>
-              <a:rPr lang="zh-TW" altLang="en-US" smtClean="0"/>
+              <a:rPr lang="zh-TW" altLang="en-US"/>
               <a:t>第三層</a:t>
             </a:r>
           </a:p>
           <a:p>
             <a:pPr lvl="3"/>
             <a:r>
-              <a:rPr lang="zh-TW" altLang="en-US" smtClean="0"/>
+              <a:rPr lang="zh-TW" altLang="en-US"/>
               <a:t>第四層</a:t>
             </a:r>
           </a:p>
           <a:p>
             <a:pPr lvl="4"/>
             <a:r>
-              <a:rPr lang="zh-TW" altLang="en-US" smtClean="0"/>
+              <a:rPr lang="zh-TW" altLang="en-US"/>
               <a:t>第五層</a:t>
             </a:r>
             <a:endParaRPr lang="en-US"/>
@@ -2073,7 +2082,7 @@
           <a:p>
             <a:pPr lvl="0"/>
             <a:r>
-              <a:rPr lang="zh-TW" altLang="en-US" smtClean="0"/>
+              <a:rPr lang="zh-TW" altLang="en-US"/>
               <a:t>編輯母片文字樣式</a:t>
             </a:r>
           </a:p>
@@ -2096,7 +2105,7 @@
           <a:p>
             <a:fld id="{4474B3D6-8EA9-4D80-86AF-FA156487AD40}" type="datetimeFigureOut">
               <a:rPr lang="en-US" smtClean="0"/>
-              <a:t>4/30/2020</a:t>
+              <a:t>5/6/2020</a:t>
             </a:fld>
             <a:endParaRPr lang="en-US"/>
           </a:p>
@@ -2199,7 +2208,7 @@
           </a:lstStyle>
           <a:p>
             <a:r>
-              <a:rPr lang="zh-TW" altLang="en-US" smtClean="0"/>
+              <a:rPr lang="zh-TW" altLang="en-US"/>
               <a:t>按一下以編輯母片標題樣式</a:t>
             </a:r>
             <a:endParaRPr lang="en-US"/>
@@ -2326,7 +2335,7 @@
           <a:p>
             <a:pPr lvl="0"/>
             <a:r>
-              <a:rPr lang="zh-TW" altLang="en-US" smtClean="0"/>
+              <a:rPr lang="zh-TW" altLang="en-US"/>
               <a:t>編輯母片文字樣式</a:t>
             </a:r>
           </a:p>
@@ -2349,7 +2358,7 @@
           <a:p>
             <a:fld id="{4474B3D6-8EA9-4D80-86AF-FA156487AD40}" type="datetimeFigureOut">
               <a:rPr lang="en-US" smtClean="0"/>
-              <a:t>4/30/2020</a:t>
+              <a:t>5/6/2020</a:t>
             </a:fld>
             <a:endParaRPr lang="en-US"/>
           </a:p>
@@ -2458,7 +2467,7 @@
           <a:lstStyle/>
           <a:p>
             <a:r>
-              <a:rPr lang="zh-TW" altLang="en-US" smtClean="0"/>
+              <a:rPr lang="zh-TW" altLang="en-US"/>
               <a:t>按一下以編輯母片標題樣式</a:t>
             </a:r>
             <a:endParaRPr lang="en-US"/>
@@ -2492,35 +2501,35 @@
           <a:p>
             <a:pPr lvl="0"/>
             <a:r>
-              <a:rPr lang="zh-TW" altLang="en-US" smtClean="0"/>
+              <a:rPr lang="zh-TW" altLang="en-US"/>
               <a:t>編輯母片文字樣式</a:t>
             </a:r>
           </a:p>
           <a:p>
             <a:pPr lvl="1"/>
             <a:r>
-              <a:rPr lang="zh-TW" altLang="en-US" smtClean="0"/>
+              <a:rPr lang="zh-TW" altLang="en-US"/>
               <a:t>第二層</a:t>
             </a:r>
           </a:p>
           <a:p>
             <a:pPr lvl="2"/>
             <a:r>
-              <a:rPr lang="zh-TW" altLang="en-US" smtClean="0"/>
+              <a:rPr lang="zh-TW" altLang="en-US"/>
               <a:t>第三層</a:t>
             </a:r>
           </a:p>
           <a:p>
             <a:pPr lvl="3"/>
             <a:r>
-              <a:rPr lang="zh-TW" altLang="en-US" smtClean="0"/>
+              <a:rPr lang="zh-TW" altLang="en-US"/>
               <a:t>第四層</a:t>
             </a:r>
           </a:p>
           <a:p>
             <a:pPr lvl="4"/>
             <a:r>
-              <a:rPr lang="zh-TW" altLang="en-US" smtClean="0"/>
+              <a:rPr lang="zh-TW" altLang="en-US"/>
               <a:t>第五層</a:t>
             </a:r>
             <a:endParaRPr lang="en-US"/>
@@ -2562,7 +2571,7 @@
           <a:p>
             <a:fld id="{4474B3D6-8EA9-4D80-86AF-FA156487AD40}" type="datetimeFigureOut">
               <a:rPr lang="en-US" smtClean="0"/>
-              <a:t>4/30/2020</a:t>
+              <a:t>5/6/2020</a:t>
             </a:fld>
             <a:endParaRPr lang="en-US"/>
           </a:p>
@@ -2979,7 +2988,7 @@
         </p:nvSpPr>
         <p:spPr>
           <a:xfrm>
-            <a:off x="1524000" y="160421"/>
+            <a:off x="1524000" y="954209"/>
             <a:ext cx="9144000" cy="3349542"/>
           </a:xfrm>
         </p:spPr>
@@ -2990,29 +2999,43 @@
           <a:lstStyle/>
           <a:p>
             <a:r>
-              <a:rPr lang="zh-TW" altLang="en-US" sz="4800" dirty="0" smtClean="0"/>
+              <a:rPr lang="zh-TW" altLang="en-US" sz="4800" dirty="0">
+                <a:latin typeface="微軟正黑體" panose="020B0604030504040204" pitchFamily="34" charset="-120"/>
+                <a:ea typeface="微軟正黑體" panose="020B0604030504040204" pitchFamily="34" charset="-120"/>
+              </a:rPr>
               <a:t>實戰</a:t>
             </a:r>
             <a:r>
-              <a:rPr lang="en-US" altLang="zh-TW" sz="4800" dirty="0" smtClean="0"/>
+              <a:rPr lang="en-US" altLang="zh-TW" sz="4800" dirty="0">
+                <a:latin typeface="微軟正黑體" panose="020B0604030504040204" pitchFamily="34" charset="-120"/>
+                <a:ea typeface="微軟正黑體" panose="020B0604030504040204" pitchFamily="34" charset="-120"/>
+              </a:rPr>
               <a:t>AI</a:t>
             </a:r>
             <a:r>
-              <a:rPr lang="zh-TW" altLang="en-US" sz="4800" dirty="0" smtClean="0"/>
+              <a:rPr lang="zh-TW" altLang="en-US" sz="4800" dirty="0">
+                <a:latin typeface="微軟正黑體" panose="020B0604030504040204" pitchFamily="34" charset="-120"/>
+                <a:ea typeface="微軟正黑體" panose="020B0604030504040204" pitchFamily="34" charset="-120"/>
+              </a:rPr>
               <a:t>資料導向式學習</a:t>
             </a:r>
-            <a:r>
-              <a:rPr lang="en-US" altLang="zh-TW" sz="4800" dirty="0" smtClean="0"/>
-              <a:t/>
-            </a:r>
             <a:br>
-              <a:rPr lang="en-US" altLang="zh-TW" sz="4800" dirty="0" smtClean="0"/>
+              <a:rPr lang="en-US" altLang="zh-TW" sz="4800" dirty="0">
+                <a:latin typeface="微軟正黑體" panose="020B0604030504040204" pitchFamily="34" charset="-120"/>
+                <a:ea typeface="微軟正黑體" panose="020B0604030504040204" pitchFamily="34" charset="-120"/>
+              </a:rPr>
             </a:br>
             <a:r>
-              <a:rPr lang="zh-TW" altLang="en-US" sz="4800" dirty="0" smtClean="0"/>
+              <a:rPr lang="zh-TW" altLang="en-US" sz="4800" dirty="0">
+                <a:latin typeface="微軟正黑體" panose="020B0604030504040204" pitchFamily="34" charset="-120"/>
+                <a:ea typeface="微軟正黑體" panose="020B0604030504040204" pitchFamily="34" charset="-120"/>
+              </a:rPr>
               <a:t>神經網路運算</a:t>
             </a:r>
-            <a:endParaRPr lang="en-US" sz="4800" dirty="0"/>
+            <a:endParaRPr lang="en-US" sz="4800" dirty="0">
+              <a:latin typeface="微軟正黑體" panose="020B0604030504040204" pitchFamily="34" charset="-120"/>
+              <a:ea typeface="微軟正黑體" panose="020B0604030504040204" pitchFamily="34" charset="-120"/>
+            </a:endParaRPr>
           </a:p>
         </p:txBody>
       </p:sp>
@@ -3026,58 +3049,88 @@
             <p:ph type="subTitle" idx="1"/>
           </p:nvPr>
         </p:nvSpPr>
-        <p:spPr/>
+        <p:spPr>
+          <a:xfrm>
+            <a:off x="1524000" y="4819567"/>
+            <a:ext cx="9144000" cy="1655762"/>
+          </a:xfrm>
+        </p:spPr>
         <p:txBody>
           <a:bodyPr/>
           <a:lstStyle/>
           <a:p>
             <a:r>
-              <a:rPr lang="zh-TW" altLang="en-US" dirty="0" smtClean="0"/>
+              <a:rPr lang="zh-TW" altLang="en-US" dirty="0">
+                <a:latin typeface="微軟正黑體" panose="020B0604030504040204" pitchFamily="34" charset="-120"/>
+                <a:ea typeface="微軟正黑體" panose="020B0604030504040204" pitchFamily="34" charset="-120"/>
+              </a:rPr>
               <a:t>報告人</a:t>
             </a:r>
             <a:r>
-              <a:rPr lang="en-US" altLang="zh-TW" dirty="0" smtClean="0"/>
+              <a:rPr lang="en-US" altLang="zh-TW" dirty="0">
+                <a:latin typeface="微軟正黑體" panose="020B0604030504040204" pitchFamily="34" charset="-120"/>
+                <a:ea typeface="微軟正黑體" panose="020B0604030504040204" pitchFamily="34" charset="-120"/>
+              </a:rPr>
               <a:t>:</a:t>
             </a:r>
             <a:r>
-              <a:rPr lang="zh-TW" altLang="en-US" dirty="0" smtClean="0"/>
+              <a:rPr lang="zh-TW" altLang="en-US" dirty="0">
+                <a:latin typeface="微軟正黑體" panose="020B0604030504040204" pitchFamily="34" charset="-120"/>
+                <a:ea typeface="微軟正黑體" panose="020B0604030504040204" pitchFamily="34" charset="-120"/>
+              </a:rPr>
               <a:t>莊東樺</a:t>
             </a:r>
-            <a:endParaRPr lang="en-US" altLang="zh-TW" dirty="0" smtClean="0"/>
-          </a:p>
-          <a:p>
-            <a:r>
-              <a:rPr lang="zh-TW" altLang="en-US" dirty="0" smtClean="0"/>
+            <a:endParaRPr lang="en-US" altLang="zh-TW" dirty="0">
+              <a:latin typeface="微軟正黑體" panose="020B0604030504040204" pitchFamily="34" charset="-120"/>
+              <a:ea typeface="微軟正黑體" panose="020B0604030504040204" pitchFamily="34" charset="-120"/>
+            </a:endParaRPr>
+          </a:p>
+          <a:p>
+            <a:r>
+              <a:rPr lang="zh-TW" altLang="en-US" dirty="0">
+                <a:latin typeface="微軟正黑體" panose="020B0604030504040204" pitchFamily="34" charset="-120"/>
+                <a:ea typeface="微軟正黑體" panose="020B0604030504040204" pitchFamily="34" charset="-120"/>
+              </a:rPr>
               <a:t>指導恩師</a:t>
             </a:r>
             <a:r>
-              <a:rPr lang="en-US" altLang="zh-TW" dirty="0" smtClean="0"/>
+              <a:rPr lang="en-US" altLang="zh-TW" dirty="0">
+                <a:latin typeface="微軟正黑體" panose="020B0604030504040204" pitchFamily="34" charset="-120"/>
+                <a:ea typeface="微軟正黑體" panose="020B0604030504040204" pitchFamily="34" charset="-120"/>
+              </a:rPr>
               <a:t>:</a:t>
             </a:r>
             <a:r>
-              <a:rPr lang="zh-TW" altLang="en-US" dirty="0"/>
-              <a:t>龍</a:t>
-            </a:r>
-            <a:r>
-              <a:rPr lang="zh-TW" altLang="en-US" dirty="0" smtClean="0"/>
-              <a:t>大大</a:t>
-            </a:r>
-            <a:endParaRPr lang="en-US" altLang="zh-TW" dirty="0" smtClean="0"/>
-          </a:p>
-          <a:p>
-            <a:r>
-              <a:rPr lang="zh-TW" altLang="en-US" dirty="0" smtClean="0"/>
+              <a:rPr lang="zh-TW" altLang="en-US" dirty="0">
+                <a:latin typeface="微軟正黑體" panose="020B0604030504040204" pitchFamily="34" charset="-120"/>
+                <a:ea typeface="微軟正黑體" panose="020B0604030504040204" pitchFamily="34" charset="-120"/>
+              </a:rPr>
+              <a:t>龍大大</a:t>
+            </a:r>
+            <a:endParaRPr lang="en-US" altLang="zh-TW" dirty="0">
+              <a:latin typeface="微軟正黑體" panose="020B0604030504040204" pitchFamily="34" charset="-120"/>
+              <a:ea typeface="微軟正黑體" panose="020B0604030504040204" pitchFamily="34" charset="-120"/>
+            </a:endParaRPr>
+          </a:p>
+          <a:p>
+            <a:r>
+              <a:rPr lang="zh-TW" altLang="en-US" dirty="0">
+                <a:latin typeface="微軟正黑體" panose="020B0604030504040204" pitchFamily="34" charset="-120"/>
+                <a:ea typeface="微軟正黑體" panose="020B0604030504040204" pitchFamily="34" charset="-120"/>
+              </a:rPr>
               <a:t>繳交日期</a:t>
             </a:r>
             <a:r>
-              <a:rPr lang="en-US" altLang="zh-TW" dirty="0" smtClean="0"/>
-              <a:t>:2020.04.3</a:t>
-            </a:r>
-            <a:r>
-              <a:rPr lang="en-US" altLang="zh-TW" dirty="0"/>
-              <a:t>0</a:t>
-            </a:r>
-            <a:endParaRPr lang="en-US" dirty="0"/>
+              <a:rPr lang="en-US" altLang="zh-TW" dirty="0">
+                <a:latin typeface="微軟正黑體" panose="020B0604030504040204" pitchFamily="34" charset="-120"/>
+                <a:ea typeface="微軟正黑體" panose="020B0604030504040204" pitchFamily="34" charset="-120"/>
+              </a:rPr>
+              <a:t>:2020.04.30</a:t>
+            </a:r>
+            <a:endParaRPr lang="en-US" dirty="0">
+              <a:latin typeface="微軟正黑體" panose="020B0604030504040204" pitchFamily="34" charset="-120"/>
+              <a:ea typeface="微軟正黑體" panose="020B0604030504040204" pitchFamily="34" charset="-120"/>
+            </a:endParaRPr>
           </a:p>
         </p:txBody>
       </p:sp>
@@ -3124,43 +3177,42 @@
           <a:p>
             <a:pPr algn="l"/>
             <a:r>
-              <a:rPr lang="zh-TW" altLang="en-US" sz="2400" smtClean="0">
-                <a:latin typeface="微軟正黑體" pitchFamily="34" charset="-120"/>
-                <a:ea typeface="微軟正黑體" pitchFamily="34" charset="-120"/>
+              <a:rPr lang="zh-TW" altLang="en-US" sz="2400">
+                <a:latin typeface="微軟正黑體" panose="020B0604030504040204" pitchFamily="34" charset="-120"/>
+                <a:ea typeface="微軟正黑體" panose="020B0604030504040204" pitchFamily="34" charset="-120"/>
               </a:rPr>
               <a:t>崑山科技大學資工所</a:t>
             </a:r>
-            <a:r>
-              <a:rPr lang="en-US" altLang="zh-TW" sz="3200" smtClean="0"/>
-              <a:t/>
-            </a:r>
             <a:br>
-              <a:rPr lang="en-US" altLang="zh-TW" sz="3200" smtClean="0"/>
+              <a:rPr lang="en-US" altLang="zh-TW" sz="3200">
+                <a:latin typeface="微軟正黑體" panose="020B0604030504040204" pitchFamily="34" charset="-120"/>
+                <a:ea typeface="微軟正黑體" panose="020B0604030504040204" pitchFamily="34" charset="-120"/>
+              </a:rPr>
             </a:br>
             <a:r>
-              <a:rPr lang="zh-TW" altLang="en-US" sz="3200" b="1" smtClean="0">
-                <a:latin typeface="微軟正黑體" pitchFamily="34" charset="-120"/>
-                <a:ea typeface="微軟正黑體" pitchFamily="34" charset="-120"/>
+              <a:rPr lang="zh-TW" altLang="en-US" sz="3200" b="1">
+                <a:latin typeface="微軟正黑體" panose="020B0604030504040204" pitchFamily="34" charset="-120"/>
+                <a:ea typeface="微軟正黑體" panose="020B0604030504040204" pitchFamily="34" charset="-120"/>
               </a:rPr>
               <a:t>深度學習</a:t>
             </a:r>
             <a:r>
-              <a:rPr lang="en-US" altLang="zh-TW" sz="3200" b="1" smtClean="0">
-                <a:latin typeface="微軟正黑體" pitchFamily="34" charset="-120"/>
-                <a:ea typeface="微軟正黑體" pitchFamily="34" charset="-120"/>
+              <a:rPr lang="en-US" altLang="zh-TW" sz="3200" b="1">
+                <a:latin typeface="微軟正黑體" panose="020B0604030504040204" pitchFamily="34" charset="-120"/>
+                <a:ea typeface="微軟正黑體" panose="020B0604030504040204" pitchFamily="34" charset="-120"/>
               </a:rPr>
               <a:t>Deep Learning</a:t>
             </a:r>
             <a:r>
-              <a:rPr lang="zh-TW" altLang="en-US" sz="3200" b="1" smtClean="0">
-                <a:latin typeface="微軟正黑體" pitchFamily="34" charset="-120"/>
-                <a:ea typeface="微軟正黑體" pitchFamily="34" charset="-120"/>
+              <a:rPr lang="zh-TW" altLang="en-US" sz="3200" b="1">
+                <a:latin typeface="微軟正黑體" panose="020B0604030504040204" pitchFamily="34" charset="-120"/>
+                <a:ea typeface="微軟正黑體" panose="020B0604030504040204" pitchFamily="34" charset="-120"/>
               </a:rPr>
               <a:t>課程</a:t>
             </a:r>
             <a:endParaRPr lang="zh-TW" altLang="en-US" sz="3200" b="1" dirty="0">
-              <a:latin typeface="微軟正黑體" pitchFamily="34" charset="-120"/>
-              <a:ea typeface="微軟正黑體" pitchFamily="34" charset="-120"/>
+              <a:latin typeface="微軟正黑體" panose="020B0604030504040204" pitchFamily="34" charset="-120"/>
+              <a:ea typeface="微軟正黑體" panose="020B0604030504040204" pitchFamily="34" charset="-120"/>
             </a:endParaRPr>
           </a:p>
         </p:txBody>
@@ -3211,10 +3263,16 @@
           <a:lstStyle/>
           <a:p>
             <a:r>
-              <a:rPr lang="en-US" altLang="zh-TW" dirty="0" smtClean="0"/>
+              <a:rPr lang="en-US" altLang="zh-TW" dirty="0">
+                <a:latin typeface="微軟正黑體" panose="020B0604030504040204" pitchFamily="34" charset="-120"/>
+                <a:ea typeface="微軟正黑體" panose="020B0604030504040204" pitchFamily="34" charset="-120"/>
+              </a:rPr>
               <a:t>Agenda</a:t>
             </a:r>
-            <a:endParaRPr lang="en-US" dirty="0"/>
+            <a:endParaRPr lang="en-US" dirty="0">
+              <a:latin typeface="微軟正黑體" panose="020B0604030504040204" pitchFamily="34" charset="-120"/>
+              <a:ea typeface="微軟正黑體" panose="020B0604030504040204" pitchFamily="34" charset="-120"/>
+            </a:endParaRPr>
           </a:p>
         </p:txBody>
       </p:sp>
@@ -3234,68 +3292,88 @@
           <a:lstStyle/>
           <a:p>
             <a:r>
-              <a:rPr lang="zh-TW" altLang="en-US" dirty="0" smtClean="0"/>
-              <a:t>虛擬環境建置</a:t>
-            </a:r>
-            <a:endParaRPr lang="en-US" altLang="zh-TW" dirty="0" smtClean="0"/>
-          </a:p>
-          <a:p>
-            <a:r>
-              <a:rPr lang="zh-TW" altLang="en-US" dirty="0" smtClean="0"/>
-              <a:t>使用</a:t>
-            </a:r>
-            <a:r>
-              <a:rPr lang="en-US" altLang="zh-TW" dirty="0" smtClean="0"/>
-              <a:t>PI</a:t>
-            </a:r>
-            <a:r>
-              <a:rPr lang="zh-TW" altLang="en-US" dirty="0" smtClean="0"/>
-              <a:t>收集影像</a:t>
-            </a:r>
-            <a:endParaRPr lang="en-US" altLang="zh-TW" dirty="0" smtClean="0"/>
-          </a:p>
-          <a:p>
-            <a:r>
-              <a:rPr lang="zh-TW" altLang="en-US" dirty="0" smtClean="0"/>
+              <a:rPr lang="zh-TW" altLang="en-US" dirty="0">
+                <a:latin typeface="微軟正黑體" panose="020B0604030504040204" pitchFamily="34" charset="-120"/>
+                <a:ea typeface="微軟正黑體" panose="020B0604030504040204" pitchFamily="34" charset="-120"/>
+              </a:rPr>
+              <a:t>執行</a:t>
+            </a:r>
+            <a:r>
+              <a:rPr lang="en-US" altLang="zh-TW" dirty="0" err="1">
+                <a:latin typeface="微軟正黑體" panose="020B0604030504040204" pitchFamily="34" charset="-120"/>
+                <a:ea typeface="微軟正黑體" panose="020B0604030504040204" pitchFamily="34" charset="-120"/>
+              </a:rPr>
+              <a:t>mnist</a:t>
+            </a:r>
+            <a:r>
+              <a:rPr lang="zh-TW" altLang="en-US" dirty="0">
+                <a:latin typeface="微軟正黑體" panose="020B0604030504040204" pitchFamily="34" charset="-120"/>
+                <a:ea typeface="微軟正黑體" panose="020B0604030504040204" pitchFamily="34" charset="-120"/>
+              </a:rPr>
+              <a:t>手寫辨識範例</a:t>
+            </a:r>
+            <a:endParaRPr lang="en-US" altLang="zh-TW" dirty="0">
+              <a:latin typeface="微軟正黑體" panose="020B0604030504040204" pitchFamily="34" charset="-120"/>
+              <a:ea typeface="微軟正黑體" panose="020B0604030504040204" pitchFamily="34" charset="-120"/>
+            </a:endParaRPr>
+          </a:p>
+          <a:p>
+            <a:r>
+              <a:rPr lang="zh-TW" altLang="en-US" dirty="0">
+                <a:latin typeface="微軟正黑體" panose="020B0604030504040204" pitchFamily="34" charset="-120"/>
+                <a:ea typeface="微軟正黑體" panose="020B0604030504040204" pitchFamily="34" charset="-120"/>
+              </a:rPr>
               <a:t>資料預先處理與標記</a:t>
             </a:r>
-            <a:endParaRPr lang="en-US" altLang="zh-TW" dirty="0" smtClean="0"/>
-          </a:p>
-          <a:p>
-            <a:r>
-              <a:rPr lang="en-US" altLang="zh-TW" dirty="0" smtClean="0"/>
+            <a:endParaRPr lang="en-US" altLang="zh-TW" dirty="0">
+              <a:latin typeface="微軟正黑體" panose="020B0604030504040204" pitchFamily="34" charset="-120"/>
+              <a:ea typeface="微軟正黑體" panose="020B0604030504040204" pitchFamily="34" charset="-120"/>
+            </a:endParaRPr>
+          </a:p>
+          <a:p>
+            <a:r>
+              <a:rPr lang="en-US" altLang="zh-TW" dirty="0">
+                <a:latin typeface="微軟正黑體" panose="020B0604030504040204" pitchFamily="34" charset="-120"/>
+                <a:ea typeface="微軟正黑體" panose="020B0604030504040204" pitchFamily="34" charset="-120"/>
+              </a:rPr>
               <a:t>AI</a:t>
             </a:r>
             <a:r>
-              <a:rPr lang="zh-TW" altLang="en-US" dirty="0" smtClean="0"/>
+              <a:rPr lang="zh-TW" altLang="en-US" dirty="0">
+                <a:latin typeface="微軟正黑體" panose="020B0604030504040204" pitchFamily="34" charset="-120"/>
+                <a:ea typeface="微軟正黑體" panose="020B0604030504040204" pitchFamily="34" charset="-120"/>
+              </a:rPr>
               <a:t>模型訓練</a:t>
             </a:r>
-            <a:endParaRPr lang="en-US" altLang="zh-TW" dirty="0" smtClean="0"/>
-          </a:p>
-          <a:p>
-            <a:r>
-              <a:rPr lang="zh-TW" altLang="en-US" dirty="0" smtClean="0"/>
-              <a:t>評估</a:t>
-            </a:r>
-            <a:r>
-              <a:rPr lang="zh-TW" altLang="en-US" dirty="0"/>
-              <a:t>及</a:t>
-            </a:r>
-            <a:r>
-              <a:rPr lang="zh-TW" altLang="en-US" dirty="0" smtClean="0"/>
-              <a:t>應</a:t>
-            </a:r>
-            <a:r>
-              <a:rPr lang="zh-TW" altLang="en-US" dirty="0"/>
-              <a:t>用</a:t>
-            </a:r>
-            <a:endParaRPr lang="en-US" altLang="zh-TW" dirty="0" smtClean="0"/>
-          </a:p>
-          <a:p>
-            <a:endParaRPr lang="en-US" altLang="zh-TW" dirty="0" smtClean="0"/>
-          </a:p>
-          <a:p>
-            <a:endParaRPr lang="en-US" dirty="0"/>
+            <a:endParaRPr lang="en-US" altLang="zh-TW" dirty="0">
+              <a:latin typeface="微軟正黑體" panose="020B0604030504040204" pitchFamily="34" charset="-120"/>
+              <a:ea typeface="微軟正黑體" panose="020B0604030504040204" pitchFamily="34" charset="-120"/>
+            </a:endParaRPr>
+          </a:p>
+          <a:p>
+            <a:r>
+              <a:rPr lang="zh-TW" altLang="en-US" dirty="0">
+                <a:latin typeface="微軟正黑體" panose="020B0604030504040204" pitchFamily="34" charset="-120"/>
+                <a:ea typeface="微軟正黑體" panose="020B0604030504040204" pitchFamily="34" charset="-120"/>
+              </a:rPr>
+              <a:t>評估及應用</a:t>
+            </a:r>
+            <a:endParaRPr lang="en-US" altLang="zh-TW" dirty="0">
+              <a:latin typeface="微軟正黑體" panose="020B0604030504040204" pitchFamily="34" charset="-120"/>
+              <a:ea typeface="微軟正黑體" panose="020B0604030504040204" pitchFamily="34" charset="-120"/>
+            </a:endParaRPr>
+          </a:p>
+          <a:p>
+            <a:endParaRPr lang="en-US" altLang="zh-TW" dirty="0">
+              <a:latin typeface="微軟正黑體" panose="020B0604030504040204" pitchFamily="34" charset="-120"/>
+              <a:ea typeface="微軟正黑體" panose="020B0604030504040204" pitchFamily="34" charset="-120"/>
+            </a:endParaRPr>
+          </a:p>
+          <a:p>
+            <a:endParaRPr lang="en-US" dirty="0">
+              <a:latin typeface="微軟正黑體" panose="020B0604030504040204" pitchFamily="34" charset="-120"/>
+              <a:ea typeface="微軟正黑體" panose="020B0604030504040204" pitchFamily="34" charset="-120"/>
+            </a:endParaRPr>
           </a:p>
         </p:txBody>
       </p:sp>
@@ -3345,170 +3423,437 @@
           <a:lstStyle/>
           <a:p>
             <a:r>
-              <a:rPr lang="zh-TW" altLang="en-US" dirty="0" smtClean="0"/>
-              <a:t>虛擬環境建置</a:t>
-            </a:r>
-            <a:endParaRPr lang="en-US" dirty="0"/>
-          </a:p>
-        </p:txBody>
-      </p:sp>
-      <p:sp>
-        <p:nvSpPr>
-          <p:cNvPr id="3" name="內容版面配置區 2"/>
-          <p:cNvSpPr>
-            <a:spLocks noGrp="1"/>
-          </p:cNvSpPr>
-          <p:nvPr>
-            <p:ph idx="1"/>
-          </p:nvPr>
-        </p:nvSpPr>
-        <p:spPr/>
-        <p:txBody>
-          <a:bodyPr/>
-          <a:lstStyle/>
-          <a:p>
-            <a:r>
-              <a:rPr lang="en-US" dirty="0" smtClean="0">
-                <a:hlinkClick r:id="rId2"/>
-              </a:rPr>
-              <a:t>https://learnexp.tw/%E3%80%90python%E3%80%91windows%E7%92%B0%E5%A2%83-%E5%AE%89%E8%A3%9D%E6%95%99%E5%AD%B8%EF%BC%88anaconda%EF%BC%89%E5%BE%9E0%E5%88%B01/</a:t>
-            </a:r>
-            <a:endParaRPr lang="en-US" dirty="0" smtClean="0"/>
-          </a:p>
-          <a:p>
-            <a:endParaRPr lang="en-US" dirty="0"/>
+              <a:rPr lang="zh-TW" altLang="en-US" dirty="0">
+                <a:latin typeface="微軟正黑體" panose="020B0604030504040204" pitchFamily="34" charset="-120"/>
+                <a:ea typeface="微軟正黑體" panose="020B0604030504040204" pitchFamily="34" charset="-120"/>
+              </a:rPr>
+              <a:t>執行</a:t>
+            </a:r>
+            <a:r>
+              <a:rPr lang="en-US" altLang="zh-TW" dirty="0" err="1">
+                <a:latin typeface="微軟正黑體" panose="020B0604030504040204" pitchFamily="34" charset="-120"/>
+                <a:ea typeface="微軟正黑體" panose="020B0604030504040204" pitchFamily="34" charset="-120"/>
+              </a:rPr>
+              <a:t>mnist</a:t>
+            </a:r>
+            <a:r>
+              <a:rPr lang="zh-TW" altLang="en-US" dirty="0">
+                <a:latin typeface="微軟正黑體" panose="020B0604030504040204" pitchFamily="34" charset="-120"/>
+                <a:ea typeface="微軟正黑體" panose="020B0604030504040204" pitchFamily="34" charset="-120"/>
+              </a:rPr>
+              <a:t>手寫辨識範例</a:t>
+            </a:r>
+            <a:endParaRPr lang="en-US" altLang="zh-TW" dirty="0">
+              <a:latin typeface="微軟正黑體" panose="020B0604030504040204" pitchFamily="34" charset="-120"/>
+              <a:ea typeface="微軟正黑體" panose="020B0604030504040204" pitchFamily="34" charset="-120"/>
+            </a:endParaRPr>
           </a:p>
         </p:txBody>
       </p:sp>
       <p:pic>
         <p:nvPicPr>
-          <p:cNvPr id="1026" name="Picture 2" descr="https://i2.wp.com/learnexp.tw/wp-content/uploads/2019/01/python04.jpg"/>
+          <p:cNvPr id="4" name="圖片 3">
+            <a:extLst>
+              <a:ext uri="{FF2B5EF4-FFF2-40B4-BE49-F238E27FC236}">
+                <a16:creationId xmlns:a16="http://schemas.microsoft.com/office/drawing/2014/main" id="{DC9F3168-6ABB-423C-A976-B682A109A963}"/>
+              </a:ext>
+            </a:extLst>
+          </p:cNvPr>
           <p:cNvPicPr>
-            <a:picLocks noChangeAspect="1" noChangeArrowheads="1"/>
+            <a:picLocks noChangeAspect="1"/>
           </p:cNvPicPr>
           <p:nvPr/>
         </p:nvPicPr>
-        <p:blipFill>
-          <a:blip r:embed="rId3">
+        <p:blipFill rotWithShape="1">
+          <a:blip r:embed="rId2"/>
+          <a:srcRect t="722" r="59793" b="74273"/>
+          <a:stretch/>
+        </p:blipFill>
+        <p:spPr>
+          <a:xfrm>
+            <a:off x="5986153" y="2408812"/>
+            <a:ext cx="6135748" cy="3758619"/>
+          </a:xfrm>
+          <a:prstGeom prst="rect">
+            <a:avLst/>
+          </a:prstGeom>
+        </p:spPr>
+      </p:pic>
+      <p:sp>
+        <p:nvSpPr>
+          <p:cNvPr id="6" name="文字方塊 5">
             <a:extLst>
-              <a:ext uri="{28A0092B-C50C-407E-A947-70E740481C1C}">
-                <a14:useLocalDpi xmlns:a14="http://schemas.microsoft.com/office/drawing/2010/main" val="0"/>
+              <a:ext uri="{FF2B5EF4-FFF2-40B4-BE49-F238E27FC236}">
+                <a16:creationId xmlns:a16="http://schemas.microsoft.com/office/drawing/2014/main" id="{8251A2D0-AAAF-4310-951A-610BA38D93F7}"/>
               </a:ext>
             </a:extLst>
-          </a:blip>
-          <a:srcRect/>
-          <a:stretch>
-            <a:fillRect/>
-          </a:stretch>
-        </p:blipFill>
-        <p:spPr bwMode="auto">
+          </p:cNvPr>
+          <p:cNvSpPr txBox="1"/>
+          <p:nvPr/>
+        </p:nvSpPr>
+        <p:spPr>
           <a:xfrm>
-            <a:off x="7322554" y="3449870"/>
-            <a:ext cx="4031246" cy="3135414"/>
+            <a:off x="586154" y="1748966"/>
+            <a:ext cx="5005754" cy="5078313"/>
           </a:xfrm>
           <a:prstGeom prst="rect">
             <a:avLst/>
           </a:prstGeom>
           <a:noFill/>
-          <a:extLst>
-            <a:ext uri="{909E8E84-426E-40DD-AFC4-6F175D3DCCD1}">
-              <a14:hiddenFill xmlns:a14="http://schemas.microsoft.com/office/drawing/2010/main">
-                <a:solidFill>
-                  <a:srgbClr val="FFFFFF"/>
-                </a:solidFill>
-              </a14:hiddenFill>
-            </a:ext>
-          </a:extLst>
+        </p:spPr>
+        <p:txBody>
+          <a:bodyPr wrap="square" rtlCol="0">
+            <a:spAutoFit/>
+          </a:bodyPr>
+          <a:lstStyle/>
+          <a:p>
+            <a:r>
+              <a:rPr lang="zh-TW" altLang="en-US" dirty="0">
+                <a:latin typeface="微軟正黑體" panose="020B0604030504040204" pitchFamily="34" charset="-120"/>
+                <a:ea typeface="微軟正黑體" panose="020B0604030504040204" pitchFamily="34" charset="-120"/>
+              </a:rPr>
+              <a:t>匯入相關函式庫</a:t>
+            </a:r>
+            <a:endParaRPr lang="en-US" altLang="zh-TW" dirty="0">
+              <a:latin typeface="微軟正黑體" panose="020B0604030504040204" pitchFamily="34" charset="-120"/>
+              <a:ea typeface="微軟正黑體" panose="020B0604030504040204" pitchFamily="34" charset="-120"/>
+            </a:endParaRPr>
+          </a:p>
+          <a:p>
+            <a:endParaRPr lang="en-US" altLang="zh-TW" dirty="0">
+              <a:latin typeface="微軟正黑體" panose="020B0604030504040204" pitchFamily="34" charset="-120"/>
+              <a:ea typeface="微軟正黑體" panose="020B0604030504040204" pitchFamily="34" charset="-120"/>
+            </a:endParaRPr>
+          </a:p>
+          <a:p>
+            <a:r>
+              <a:rPr lang="en-US" altLang="zh-TW" dirty="0">
+                <a:latin typeface="微軟正黑體" panose="020B0604030504040204" pitchFamily="34" charset="-120"/>
+                <a:ea typeface="微軟正黑體" panose="020B0604030504040204" pitchFamily="34" charset="-120"/>
+              </a:rPr>
+              <a:t>import </a:t>
+            </a:r>
+            <a:r>
+              <a:rPr lang="en-US" altLang="zh-TW" dirty="0" err="1">
+                <a:latin typeface="微軟正黑體" panose="020B0604030504040204" pitchFamily="34" charset="-120"/>
+                <a:ea typeface="微軟正黑體" panose="020B0604030504040204" pitchFamily="34" charset="-120"/>
+              </a:rPr>
+              <a:t>keras</a:t>
+            </a:r>
+            <a:r>
+              <a:rPr lang="zh-TW" altLang="en-US" dirty="0">
+                <a:latin typeface="微軟正黑體" panose="020B0604030504040204" pitchFamily="34" charset="-120"/>
+                <a:ea typeface="微軟正黑體" panose="020B0604030504040204" pitchFamily="34" charset="-120"/>
+              </a:rPr>
+              <a:t>匯入</a:t>
+            </a:r>
+            <a:r>
+              <a:rPr lang="en-US" altLang="zh-TW" dirty="0" err="1">
+                <a:latin typeface="微軟正黑體" panose="020B0604030504040204" pitchFamily="34" charset="-120"/>
+                <a:ea typeface="微軟正黑體" panose="020B0604030504040204" pitchFamily="34" charset="-120"/>
+              </a:rPr>
+              <a:t>keras</a:t>
+            </a:r>
+            <a:endParaRPr lang="en-US" altLang="zh-TW" dirty="0">
+              <a:latin typeface="微軟正黑體" panose="020B0604030504040204" pitchFamily="34" charset="-120"/>
+              <a:ea typeface="微軟正黑體" panose="020B0604030504040204" pitchFamily="34" charset="-120"/>
+            </a:endParaRPr>
+          </a:p>
+          <a:p>
+            <a:endParaRPr lang="en-US" altLang="zh-TW" dirty="0">
+              <a:latin typeface="微軟正黑體" panose="020B0604030504040204" pitchFamily="34" charset="-120"/>
+              <a:ea typeface="微軟正黑體" panose="020B0604030504040204" pitchFamily="34" charset="-120"/>
+            </a:endParaRPr>
+          </a:p>
+          <a:p>
+            <a:r>
+              <a:rPr lang="en-US" altLang="zh-TW" dirty="0">
+                <a:latin typeface="微軟正黑體" panose="020B0604030504040204" pitchFamily="34" charset="-120"/>
+                <a:ea typeface="微軟正黑體" panose="020B0604030504040204" pitchFamily="34" charset="-120"/>
+              </a:rPr>
+              <a:t>from </a:t>
+            </a:r>
+            <a:r>
+              <a:rPr lang="en-US" altLang="zh-TW" dirty="0" err="1">
+                <a:latin typeface="微軟正黑體" panose="020B0604030504040204" pitchFamily="34" charset="-120"/>
+                <a:ea typeface="微軟正黑體" panose="020B0604030504040204" pitchFamily="34" charset="-120"/>
+              </a:rPr>
+              <a:t>keras.datasets</a:t>
+            </a:r>
+            <a:r>
+              <a:rPr lang="en-US" altLang="zh-TW" dirty="0">
+                <a:latin typeface="微軟正黑體" panose="020B0604030504040204" pitchFamily="34" charset="-120"/>
+                <a:ea typeface="微軟正黑體" panose="020B0604030504040204" pitchFamily="34" charset="-120"/>
+              </a:rPr>
+              <a:t> import </a:t>
+            </a:r>
+            <a:r>
+              <a:rPr lang="en-US" altLang="zh-TW" dirty="0" err="1">
+                <a:latin typeface="微軟正黑體" panose="020B0604030504040204" pitchFamily="34" charset="-120"/>
+                <a:ea typeface="微軟正黑體" panose="020B0604030504040204" pitchFamily="34" charset="-120"/>
+              </a:rPr>
+              <a:t>mnist</a:t>
+            </a:r>
+            <a:r>
+              <a:rPr lang="zh-TW" altLang="en-US" dirty="0">
+                <a:latin typeface="微軟正黑體" panose="020B0604030504040204" pitchFamily="34" charset="-120"/>
+                <a:ea typeface="微軟正黑體" panose="020B0604030504040204" pitchFamily="34" charset="-120"/>
+              </a:rPr>
+              <a:t>使用</a:t>
+            </a:r>
+            <a:r>
+              <a:rPr lang="en-US" altLang="zh-TW" dirty="0" err="1">
+                <a:latin typeface="微軟正黑體" panose="020B0604030504040204" pitchFamily="34" charset="-120"/>
+                <a:ea typeface="微軟正黑體" panose="020B0604030504040204" pitchFamily="34" charset="-120"/>
+              </a:rPr>
+              <a:t>keras.datasets</a:t>
+            </a:r>
+            <a:r>
+              <a:rPr lang="en-US" altLang="zh-TW" dirty="0">
+                <a:latin typeface="微軟正黑體" panose="020B0604030504040204" pitchFamily="34" charset="-120"/>
+                <a:ea typeface="微軟正黑體" panose="020B0604030504040204" pitchFamily="34" charset="-120"/>
+              </a:rPr>
+              <a:t> </a:t>
+            </a:r>
+            <a:r>
+              <a:rPr lang="zh-TW" altLang="en-US" dirty="0">
+                <a:latin typeface="微軟正黑體" panose="020B0604030504040204" pitchFamily="34" charset="-120"/>
+                <a:ea typeface="微軟正黑體" panose="020B0604030504040204" pitchFamily="34" charset="-120"/>
+              </a:rPr>
+              <a:t>資料庫</a:t>
+            </a:r>
+            <a:endParaRPr lang="en-US" altLang="zh-TW" dirty="0">
+              <a:latin typeface="微軟正黑體" panose="020B0604030504040204" pitchFamily="34" charset="-120"/>
+              <a:ea typeface="微軟正黑體" panose="020B0604030504040204" pitchFamily="34" charset="-120"/>
+            </a:endParaRPr>
+          </a:p>
+          <a:p>
+            <a:endParaRPr lang="en-US" altLang="zh-TW" dirty="0">
+              <a:latin typeface="微軟正黑體" panose="020B0604030504040204" pitchFamily="34" charset="-120"/>
+              <a:ea typeface="微軟正黑體" panose="020B0604030504040204" pitchFamily="34" charset="-120"/>
+            </a:endParaRPr>
+          </a:p>
+          <a:p>
+            <a:endParaRPr lang="en-US" altLang="zh-TW" dirty="0">
+              <a:latin typeface="微軟正黑體" panose="020B0604030504040204" pitchFamily="34" charset="-120"/>
+              <a:ea typeface="微軟正黑體" panose="020B0604030504040204" pitchFamily="34" charset="-120"/>
+            </a:endParaRPr>
+          </a:p>
+          <a:p>
+            <a:endParaRPr lang="en-US" altLang="zh-TW" dirty="0">
+              <a:latin typeface="微軟正黑體" panose="020B0604030504040204" pitchFamily="34" charset="-120"/>
+              <a:ea typeface="微軟正黑體" panose="020B0604030504040204" pitchFamily="34" charset="-120"/>
+            </a:endParaRPr>
+          </a:p>
+          <a:p>
+            <a:endParaRPr lang="en-US" altLang="zh-TW" dirty="0">
+              <a:latin typeface="微軟正黑體" panose="020B0604030504040204" pitchFamily="34" charset="-120"/>
+              <a:ea typeface="微軟正黑體" panose="020B0604030504040204" pitchFamily="34" charset="-120"/>
+            </a:endParaRPr>
+          </a:p>
+          <a:p>
+            <a:endParaRPr lang="en-US" altLang="zh-TW" dirty="0">
+              <a:latin typeface="微軟正黑體" panose="020B0604030504040204" pitchFamily="34" charset="-120"/>
+              <a:ea typeface="微軟正黑體" panose="020B0604030504040204" pitchFamily="34" charset="-120"/>
+            </a:endParaRPr>
+          </a:p>
+          <a:p>
+            <a:endParaRPr lang="en-US" altLang="zh-TW" dirty="0">
+              <a:latin typeface="微軟正黑體" panose="020B0604030504040204" pitchFamily="34" charset="-120"/>
+              <a:ea typeface="微軟正黑體" panose="020B0604030504040204" pitchFamily="34" charset="-120"/>
+            </a:endParaRPr>
+          </a:p>
+          <a:p>
+            <a:endParaRPr lang="en-US" altLang="zh-TW" dirty="0">
+              <a:latin typeface="微軟正黑體" panose="020B0604030504040204" pitchFamily="34" charset="-120"/>
+              <a:ea typeface="微軟正黑體" panose="020B0604030504040204" pitchFamily="34" charset="-120"/>
+            </a:endParaRPr>
+          </a:p>
+          <a:p>
+            <a:endParaRPr lang="en-US" altLang="zh-TW" dirty="0">
+              <a:latin typeface="微軟正黑體" panose="020B0604030504040204" pitchFamily="34" charset="-120"/>
+              <a:ea typeface="微軟正黑體" panose="020B0604030504040204" pitchFamily="34" charset="-120"/>
+            </a:endParaRPr>
+          </a:p>
+          <a:p>
+            <a:endParaRPr lang="en-US" altLang="zh-TW" dirty="0">
+              <a:latin typeface="微軟正黑體" panose="020B0604030504040204" pitchFamily="34" charset="-120"/>
+              <a:ea typeface="微軟正黑體" panose="020B0604030504040204" pitchFamily="34" charset="-120"/>
+            </a:endParaRPr>
+          </a:p>
+          <a:p>
+            <a:r>
+              <a:rPr lang="en-US" altLang="zh-TW" dirty="0">
+                <a:latin typeface="微軟正黑體" panose="020B0604030504040204" pitchFamily="34" charset="-120"/>
+                <a:ea typeface="微軟正黑體" panose="020B0604030504040204" pitchFamily="34" charset="-120"/>
+                <a:hlinkClick r:id="rId3"/>
+              </a:rPr>
+              <a:t>http://yann.lecun.com/exdb/mnist/</a:t>
+            </a:r>
+            <a:r>
+              <a:rPr lang="zh-TW" altLang="en-US" dirty="0">
+                <a:latin typeface="微軟正黑體" panose="020B0604030504040204" pitchFamily="34" charset="-120"/>
+                <a:ea typeface="微軟正黑體" panose="020B0604030504040204" pitchFamily="34" charset="-120"/>
+              </a:rPr>
+              <a:t>蒐集不同演算法訓練的結果，例如 </a:t>
+            </a:r>
+            <a:r>
+              <a:rPr lang="en-US" altLang="zh-TW" dirty="0">
+                <a:latin typeface="微軟正黑體" panose="020B0604030504040204" pitchFamily="34" charset="-120"/>
+                <a:ea typeface="微軟正黑體" panose="020B0604030504040204" pitchFamily="34" charset="-120"/>
+              </a:rPr>
+              <a:t>KNN</a:t>
+            </a:r>
+            <a:r>
+              <a:rPr lang="zh-TW" altLang="en-US" dirty="0">
+                <a:latin typeface="微軟正黑體" panose="020B0604030504040204" pitchFamily="34" charset="-120"/>
+                <a:ea typeface="微軟正黑體" panose="020B0604030504040204" pitchFamily="34" charset="-120"/>
+              </a:rPr>
+              <a:t>、</a:t>
+            </a:r>
+            <a:r>
+              <a:rPr lang="en-US" altLang="zh-TW" dirty="0">
+                <a:latin typeface="微軟正黑體" panose="020B0604030504040204" pitchFamily="34" charset="-120"/>
+                <a:ea typeface="微軟正黑體" panose="020B0604030504040204" pitchFamily="34" charset="-120"/>
+              </a:rPr>
+              <a:t>SVM </a:t>
+            </a:r>
+            <a:r>
+              <a:rPr lang="zh-TW" altLang="en-US" dirty="0">
+                <a:latin typeface="微軟正黑體" panose="020B0604030504040204" pitchFamily="34" charset="-120"/>
+                <a:ea typeface="微軟正黑體" panose="020B0604030504040204" pitchFamily="34" charset="-120"/>
+              </a:rPr>
+              <a:t>等等</a:t>
+            </a:r>
+            <a:endParaRPr lang="en-US" altLang="zh-TW" dirty="0">
+              <a:latin typeface="微軟正黑體" panose="020B0604030504040204" pitchFamily="34" charset="-120"/>
+              <a:ea typeface="微軟正黑體" panose="020B0604030504040204" pitchFamily="34" charset="-120"/>
+            </a:endParaRPr>
+          </a:p>
+          <a:p>
+            <a:endParaRPr lang="zh-TW" altLang="en-US" dirty="0">
+              <a:latin typeface="微軟正黑體" panose="020B0604030504040204" pitchFamily="34" charset="-120"/>
+              <a:ea typeface="微軟正黑體" panose="020B0604030504040204" pitchFamily="34" charset="-120"/>
+            </a:endParaRPr>
+          </a:p>
+        </p:txBody>
+      </p:sp>
+      <p:pic>
+        <p:nvPicPr>
+          <p:cNvPr id="7" name="圖片 6">
+            <a:extLst>
+              <a:ext uri="{FF2B5EF4-FFF2-40B4-BE49-F238E27FC236}">
+                <a16:creationId xmlns:a16="http://schemas.microsoft.com/office/drawing/2014/main" id="{98FE7FC0-7EC8-4E07-A12B-5988F83D0DD2}"/>
+              </a:ext>
+            </a:extLst>
+          </p:cNvPr>
+          <p:cNvPicPr>
+            <a:picLocks noChangeAspect="1"/>
+          </p:cNvPicPr>
+          <p:nvPr/>
+        </p:nvPicPr>
+        <p:blipFill rotWithShape="1">
+          <a:blip r:embed="rId4"/>
+          <a:srcRect t="2155" b="90107"/>
+          <a:stretch/>
+        </p:blipFill>
+        <p:spPr>
+          <a:xfrm>
+            <a:off x="586153" y="3469071"/>
+            <a:ext cx="5400000" cy="544072"/>
+          </a:xfrm>
+          <a:prstGeom prst="rect">
+            <a:avLst/>
+          </a:prstGeom>
         </p:spPr>
       </p:pic>
-      <p:sp>
-        <p:nvSpPr>
-          <p:cNvPr id="5" name="手繪多邊形 4"/>
-          <p:cNvSpPr/>
+      <p:pic>
+        <p:nvPicPr>
+          <p:cNvPr id="8" name="圖片 7">
+            <a:extLst>
+              <a:ext uri="{FF2B5EF4-FFF2-40B4-BE49-F238E27FC236}">
+                <a16:creationId xmlns:a16="http://schemas.microsoft.com/office/drawing/2014/main" id="{328F7A65-2CF5-4FE8-A82D-829BE3BEF5E1}"/>
+              </a:ext>
+            </a:extLst>
+          </p:cNvPr>
+          <p:cNvPicPr preferRelativeResize="0">
+            <a:picLocks/>
+          </p:cNvPicPr>
           <p:nvPr/>
-        </p:nvSpPr>
+        </p:nvPicPr>
+        <p:blipFill rotWithShape="1">
+          <a:blip r:embed="rId4"/>
+          <a:srcRect t="13780" b="79545"/>
+          <a:stretch/>
+        </p:blipFill>
         <p:spPr>
           <a:xfrm>
-            <a:off x="7810500" y="4375150"/>
-            <a:ext cx="158750" cy="188679"/>
+            <a:off x="586153" y="3975406"/>
+            <a:ext cx="5400000" cy="540000"/>
           </a:xfrm>
-          <a:custGeom>
+          <a:prstGeom prst="rect">
             <a:avLst/>
-            <a:gdLst>
-              <a:gd name="connsiteX0" fmla="*/ 0 w 158750"/>
-              <a:gd name="connsiteY0" fmla="*/ 114300 h 188679"/>
-              <a:gd name="connsiteX1" fmla="*/ 44450 w 158750"/>
-              <a:gd name="connsiteY1" fmla="*/ 184150 h 188679"/>
-              <a:gd name="connsiteX2" fmla="*/ 158750 w 158750"/>
-              <a:gd name="connsiteY2" fmla="*/ 0 h 188679"/>
-            </a:gdLst>
-            <a:ahLst/>
-            <a:cxnLst>
-              <a:cxn ang="0">
-                <a:pos x="connsiteX0" y="connsiteY0"/>
-              </a:cxn>
-              <a:cxn ang="0">
-                <a:pos x="connsiteX1" y="connsiteY1"/>
-              </a:cxn>
-              <a:cxn ang="0">
-                <a:pos x="connsiteX2" y="connsiteY2"/>
-              </a:cxn>
-            </a:cxnLst>
-            <a:rect l="l" t="t" r="r" b="b"/>
-            <a:pathLst>
-              <a:path w="158750" h="188679">
-                <a:moveTo>
-                  <a:pt x="0" y="114300"/>
-                </a:moveTo>
-                <a:cubicBezTo>
-                  <a:pt x="8996" y="158750"/>
-                  <a:pt x="17992" y="203200"/>
-                  <a:pt x="44450" y="184150"/>
-                </a:cubicBezTo>
-                <a:cubicBezTo>
-                  <a:pt x="70908" y="165100"/>
-                  <a:pt x="125942" y="48683"/>
-                  <a:pt x="158750" y="0"/>
-                </a:cubicBezTo>
-              </a:path>
-            </a:pathLst>
-          </a:custGeom>
-          <a:noFill/>
-          <a:ln>
-            <a:solidFill>
-              <a:srgbClr val="C00000"/>
-            </a:solidFill>
-          </a:ln>
+          </a:prstGeom>
         </p:spPr>
-        <p:style>
-          <a:lnRef idx="2">
-            <a:schemeClr val="accent1">
-              <a:shade val="50000"/>
-            </a:schemeClr>
-          </a:lnRef>
-          <a:fillRef idx="1">
-            <a:schemeClr val="accent1"/>
-          </a:fillRef>
-          <a:effectRef idx="0">
-            <a:schemeClr val="accent1"/>
-          </a:effectRef>
-          <a:fontRef idx="minor">
-            <a:schemeClr val="lt1"/>
-          </a:fontRef>
-        </p:style>
-        <p:txBody>
-          <a:bodyPr rtlCol="0" anchor="ctr"/>
-          <a:lstStyle/>
-          <a:p>
-            <a:pPr algn="ctr"/>
-            <a:endParaRPr lang="en-US" dirty="0">
-              <a:solidFill>
-                <a:srgbClr val="FF0000"/>
-              </a:solidFill>
-            </a:endParaRPr>
-          </a:p>
-        </p:txBody>
-      </p:sp>
+      </p:pic>
+      <p:pic>
+        <p:nvPicPr>
+          <p:cNvPr id="9" name="圖片 8">
+            <a:extLst>
+              <a:ext uri="{FF2B5EF4-FFF2-40B4-BE49-F238E27FC236}">
+                <a16:creationId xmlns:a16="http://schemas.microsoft.com/office/drawing/2014/main" id="{B8F47ACE-69AB-45D1-B70A-C59B849BBDAA}"/>
+              </a:ext>
+            </a:extLst>
+          </p:cNvPr>
+          <p:cNvPicPr preferRelativeResize="0">
+            <a:picLocks/>
+          </p:cNvPicPr>
+          <p:nvPr/>
+        </p:nvPicPr>
+        <p:blipFill rotWithShape="1">
+          <a:blip r:embed="rId4"/>
+          <a:srcRect t="74152" b="18246"/>
+          <a:stretch/>
+        </p:blipFill>
+        <p:spPr>
+          <a:xfrm>
+            <a:off x="586153" y="4451464"/>
+            <a:ext cx="5400000" cy="540000"/>
+          </a:xfrm>
+          <a:prstGeom prst="rect">
+            <a:avLst/>
+          </a:prstGeom>
+        </p:spPr>
+      </p:pic>
+      <p:pic>
+        <p:nvPicPr>
+          <p:cNvPr id="10" name="圖片 9">
+            <a:extLst>
+              <a:ext uri="{FF2B5EF4-FFF2-40B4-BE49-F238E27FC236}">
+                <a16:creationId xmlns:a16="http://schemas.microsoft.com/office/drawing/2014/main" id="{AFF5F806-19EA-4782-B325-85C2B2336288}"/>
+              </a:ext>
+            </a:extLst>
+          </p:cNvPr>
+          <p:cNvPicPr preferRelativeResize="0">
+            <a:picLocks/>
+          </p:cNvPicPr>
+          <p:nvPr/>
+        </p:nvPicPr>
+        <p:blipFill rotWithShape="1">
+          <a:blip r:embed="rId4"/>
+          <a:srcRect t="85387" b="7706"/>
+          <a:stretch/>
+        </p:blipFill>
+        <p:spPr>
+          <a:xfrm>
+            <a:off x="586153" y="4991464"/>
+            <a:ext cx="5400000" cy="540000"/>
+          </a:xfrm>
+          <a:prstGeom prst="rect">
+            <a:avLst/>
+          </a:prstGeom>
+        </p:spPr>
+      </p:pic>
     </p:spTree>
     <p:extLst>
       <p:ext uri="{BB962C8B-B14F-4D97-AF65-F5344CB8AC3E}">
@@ -3555,36 +3900,1539 @@
           <a:lstStyle/>
           <a:p>
             <a:r>
-              <a:rPr lang="zh-TW" altLang="en-US" dirty="0" smtClean="0"/>
-              <a:t>虛擬環境建置</a:t>
-            </a:r>
-            <a:endParaRPr lang="en-US" dirty="0"/>
-          </a:p>
-        </p:txBody>
-      </p:sp>
-      <p:sp>
-        <p:nvSpPr>
-          <p:cNvPr id="3" name="內容版面配置區 2"/>
-          <p:cNvSpPr>
-            <a:spLocks noGrp="1"/>
-          </p:cNvSpPr>
-          <p:nvPr>
-            <p:ph idx="1"/>
-          </p:nvPr>
-        </p:nvSpPr>
-        <p:spPr/>
-        <p:txBody>
-          <a:bodyPr/>
-          <a:lstStyle/>
-          <a:p>
-            <a:endParaRPr lang="en-US" dirty="0"/>
-          </a:p>
-        </p:txBody>
-      </p:sp>
+              <a:rPr lang="zh-TW" altLang="en-US" dirty="0">
+                <a:latin typeface="微軟正黑體" panose="020B0604030504040204" pitchFamily="34" charset="-120"/>
+                <a:ea typeface="微軟正黑體" panose="020B0604030504040204" pitchFamily="34" charset="-120"/>
+              </a:rPr>
+              <a:t>資料預先處理與標記</a:t>
+            </a:r>
+            <a:endParaRPr lang="en-US" altLang="zh-TW" dirty="0">
+              <a:latin typeface="微軟正黑體" panose="020B0604030504040204" pitchFamily="34" charset="-120"/>
+              <a:ea typeface="微軟正黑體" panose="020B0604030504040204" pitchFamily="34" charset="-120"/>
+            </a:endParaRPr>
+          </a:p>
+        </p:txBody>
+      </p:sp>
+      <p:pic>
+        <p:nvPicPr>
+          <p:cNvPr id="4" name="圖片 3">
+            <a:extLst>
+              <a:ext uri="{FF2B5EF4-FFF2-40B4-BE49-F238E27FC236}">
+                <a16:creationId xmlns:a16="http://schemas.microsoft.com/office/drawing/2014/main" id="{E483215A-2264-4DD5-966C-5B4D42765732}"/>
+              </a:ext>
+            </a:extLst>
+          </p:cNvPr>
+          <p:cNvPicPr>
+            <a:picLocks noChangeAspect="1"/>
+          </p:cNvPicPr>
+          <p:nvPr/>
+        </p:nvPicPr>
+        <p:blipFill rotWithShape="1">
+          <a:blip r:embed="rId2"/>
+          <a:srcRect l="1" r="42997" b="53613"/>
+          <a:stretch/>
+        </p:blipFill>
+        <p:spPr>
+          <a:xfrm>
+            <a:off x="4862435" y="1450513"/>
+            <a:ext cx="7177165" cy="5266810"/>
+          </a:xfrm>
+          <a:prstGeom prst="rect">
+            <a:avLst/>
+          </a:prstGeom>
+        </p:spPr>
+      </p:pic>
+      <p:sp>
+        <p:nvSpPr>
+          <p:cNvPr id="7" name="矩形 6">
+            <a:extLst>
+              <a:ext uri="{FF2B5EF4-FFF2-40B4-BE49-F238E27FC236}">
+                <a16:creationId xmlns:a16="http://schemas.microsoft.com/office/drawing/2014/main" id="{2546EC09-99A0-4AA4-82F8-B9AD023391B4}"/>
+              </a:ext>
+            </a:extLst>
+          </p:cNvPr>
+          <p:cNvSpPr/>
+          <p:nvPr/>
+        </p:nvSpPr>
+        <p:spPr>
+          <a:xfrm>
+            <a:off x="483965" y="1690688"/>
+            <a:ext cx="4062046" cy="4154984"/>
+          </a:xfrm>
+          <a:prstGeom prst="rect">
+            <a:avLst/>
+          </a:prstGeom>
+        </p:spPr>
+        <p:txBody>
+          <a:bodyPr wrap="square">
+            <a:spAutoFit/>
+          </a:bodyPr>
+          <a:lstStyle/>
+          <a:p>
+            <a:r>
+              <a:rPr lang="zh-TW" altLang="en-US" sz="2400" dirty="0">
+                <a:latin typeface="微軟正黑體" panose="020B0604030504040204" pitchFamily="34" charset="-120"/>
+                <a:ea typeface="微軟正黑體" panose="020B0604030504040204" pitchFamily="34" charset="-120"/>
+              </a:rPr>
+              <a:t>資料整理</a:t>
+            </a:r>
+            <a:endParaRPr lang="en-US" altLang="zh-TW" sz="2400" dirty="0">
+              <a:latin typeface="微軟正黑體" panose="020B0604030504040204" pitchFamily="34" charset="-120"/>
+              <a:ea typeface="微軟正黑體" panose="020B0604030504040204" pitchFamily="34" charset="-120"/>
+            </a:endParaRPr>
+          </a:p>
+          <a:p>
+            <a:endParaRPr lang="en-US" altLang="zh-TW" sz="2400" dirty="0">
+              <a:latin typeface="微軟正黑體" panose="020B0604030504040204" pitchFamily="34" charset="-120"/>
+              <a:ea typeface="微軟正黑體" panose="020B0604030504040204" pitchFamily="34" charset="-120"/>
+            </a:endParaRPr>
+          </a:p>
+          <a:p>
+            <a:r>
+              <a:rPr lang="en-US" altLang="zh-TW" sz="2400" dirty="0">
+                <a:latin typeface="微軟正黑體" panose="020B0604030504040204" pitchFamily="34" charset="-120"/>
+                <a:ea typeface="微軟正黑體" panose="020B0604030504040204" pitchFamily="34" charset="-120"/>
+              </a:rPr>
+              <a:t>train </a:t>
+            </a:r>
+            <a:r>
+              <a:rPr lang="zh-TW" altLang="en-US" sz="2400" dirty="0">
+                <a:latin typeface="微軟正黑體" panose="020B0604030504040204" pitchFamily="34" charset="-120"/>
+                <a:ea typeface="微軟正黑體" panose="020B0604030504040204" pitchFamily="34" charset="-120"/>
+              </a:rPr>
+              <a:t>的時候，需要給定訓練資料及的</a:t>
+            </a:r>
+            <a:r>
+              <a:rPr lang="en-US" altLang="zh-TW" sz="2400" dirty="0">
+                <a:latin typeface="微軟正黑體" panose="020B0604030504040204" pitchFamily="34" charset="-120"/>
+                <a:ea typeface="微軟正黑體" panose="020B0604030504040204" pitchFamily="34" charset="-120"/>
+              </a:rPr>
+              <a:t>x</a:t>
+            </a:r>
+            <a:r>
+              <a:rPr lang="zh-TW" altLang="en-US" sz="2400" dirty="0">
+                <a:latin typeface="微軟正黑體" panose="020B0604030504040204" pitchFamily="34" charset="-120"/>
+                <a:ea typeface="微軟正黑體" panose="020B0604030504040204" pitchFamily="34" charset="-120"/>
+              </a:rPr>
+              <a:t>、</a:t>
+            </a:r>
+            <a:r>
+              <a:rPr lang="en-US" altLang="zh-TW" sz="2400" dirty="0">
+                <a:latin typeface="微軟正黑體" panose="020B0604030504040204" pitchFamily="34" charset="-120"/>
+                <a:ea typeface="微軟正黑體" panose="020B0604030504040204" pitchFamily="34" charset="-120"/>
+              </a:rPr>
+              <a:t>y</a:t>
+            </a:r>
+            <a:r>
+              <a:rPr lang="zh-TW" altLang="en-US" sz="2400" dirty="0">
+                <a:latin typeface="微軟正黑體" panose="020B0604030504040204" pitchFamily="34" charset="-120"/>
+                <a:ea typeface="微軟正黑體" panose="020B0604030504040204" pitchFamily="34" charset="-120"/>
+              </a:rPr>
+              <a:t>、</a:t>
+            </a:r>
+            <a:r>
+              <a:rPr lang="en-US" altLang="zh-TW" sz="2400" dirty="0" err="1">
+                <a:latin typeface="微軟正黑體" panose="020B0604030504040204" pitchFamily="34" charset="-120"/>
+                <a:ea typeface="微軟正黑體" panose="020B0604030504040204" pitchFamily="34" charset="-120"/>
+              </a:rPr>
+              <a:t>batch_size</a:t>
+            </a:r>
+            <a:r>
+              <a:rPr lang="zh-TW" altLang="en-US" sz="2400" dirty="0">
+                <a:latin typeface="微軟正黑體" panose="020B0604030504040204" pitchFamily="34" charset="-120"/>
+                <a:ea typeface="微軟正黑體" panose="020B0604030504040204" pitchFamily="34" charset="-120"/>
+              </a:rPr>
+              <a:t>（每次要放幾筆資料）、</a:t>
+            </a:r>
+            <a:r>
+              <a:rPr lang="en-US" altLang="zh-TW" sz="2400" dirty="0">
+                <a:latin typeface="微軟正黑體" panose="020B0604030504040204" pitchFamily="34" charset="-120"/>
+                <a:ea typeface="微軟正黑體" panose="020B0604030504040204" pitchFamily="34" charset="-120"/>
+              </a:rPr>
+              <a:t>epochs</a:t>
+            </a:r>
+            <a:r>
+              <a:rPr lang="zh-TW" altLang="en-US" sz="2400" dirty="0">
+                <a:latin typeface="微軟正黑體" panose="020B0604030504040204" pitchFamily="34" charset="-120"/>
+                <a:ea typeface="微軟正黑體" panose="020B0604030504040204" pitchFamily="34" charset="-120"/>
+              </a:rPr>
+              <a:t>（總共要訓練幾次）、以及用來做 </a:t>
+            </a:r>
+            <a:r>
+              <a:rPr lang="en-US" altLang="zh-TW" sz="2400" dirty="0">
+                <a:latin typeface="微軟正黑體" panose="020B0604030504040204" pitchFamily="34" charset="-120"/>
+                <a:ea typeface="微軟正黑體" panose="020B0604030504040204" pitchFamily="34" charset="-120"/>
+              </a:rPr>
+              <a:t>validation </a:t>
+            </a:r>
+            <a:r>
+              <a:rPr lang="zh-TW" altLang="en-US" sz="2400" dirty="0">
+                <a:latin typeface="微軟正黑體" panose="020B0604030504040204" pitchFamily="34" charset="-120"/>
+                <a:ea typeface="微軟正黑體" panose="020B0604030504040204" pitchFamily="34" charset="-120"/>
+              </a:rPr>
+              <a:t>的</a:t>
+            </a:r>
+            <a:r>
+              <a:rPr lang="en-US" altLang="zh-TW" sz="2400" dirty="0">
+                <a:latin typeface="微軟正黑體" panose="020B0604030504040204" pitchFamily="34" charset="-120"/>
+                <a:ea typeface="微軟正黑體" panose="020B0604030504040204" pitchFamily="34" charset="-120"/>
+              </a:rPr>
+              <a:t>data set</a:t>
+            </a:r>
+          </a:p>
+          <a:p>
+            <a:r>
+              <a:rPr lang="en-US" altLang="zh-TW" sz="2400" dirty="0">
+                <a:latin typeface="微軟正黑體" panose="020B0604030504040204" pitchFamily="34" charset="-120"/>
+                <a:ea typeface="微軟正黑體" panose="020B0604030504040204" pitchFamily="34" charset="-120"/>
+              </a:rPr>
+              <a:t>y </a:t>
+            </a:r>
+            <a:r>
+              <a:rPr lang="zh-TW" altLang="en-US" sz="2400" dirty="0">
+                <a:latin typeface="微軟正黑體" panose="020B0604030504040204" pitchFamily="34" charset="-120"/>
+                <a:ea typeface="微軟正黑體" panose="020B0604030504040204" pitchFamily="34" charset="-120"/>
+              </a:rPr>
+              <a:t>是 </a:t>
+            </a:r>
+            <a:r>
+              <a:rPr lang="en-US" altLang="zh-TW" sz="2400" dirty="0">
+                <a:latin typeface="微軟正黑體" panose="020B0604030504040204" pitchFamily="34" charset="-120"/>
+                <a:ea typeface="微軟正黑體" panose="020B0604030504040204" pitchFamily="34" charset="-120"/>
+              </a:rPr>
+              <a:t>0–9 </a:t>
+            </a:r>
+            <a:r>
+              <a:rPr lang="zh-TW" altLang="en-US" sz="2400" dirty="0">
+                <a:latin typeface="微軟正黑體" panose="020B0604030504040204" pitchFamily="34" charset="-120"/>
+                <a:ea typeface="微軟正黑體" panose="020B0604030504040204" pitchFamily="34" charset="-120"/>
+              </a:rPr>
+              <a:t>的數字，需要先做一次 </a:t>
+            </a:r>
+            <a:r>
+              <a:rPr lang="en-US" altLang="zh-TW" sz="2400" dirty="0">
+                <a:latin typeface="微軟正黑體" panose="020B0604030504040204" pitchFamily="34" charset="-120"/>
+                <a:ea typeface="微軟正黑體" panose="020B0604030504040204" pitchFamily="34" charset="-120"/>
+              </a:rPr>
+              <a:t>one-hot encoding</a:t>
+            </a:r>
+          </a:p>
+          <a:p>
+            <a:endParaRPr lang="zh-TW" altLang="en-US" sz="2400" dirty="0">
+              <a:latin typeface="微軟正黑體" panose="020B0604030504040204" pitchFamily="34" charset="-120"/>
+              <a:ea typeface="微軟正黑體" panose="020B0604030504040204" pitchFamily="34" charset="-120"/>
+            </a:endParaRPr>
+          </a:p>
+        </p:txBody>
+      </p:sp>
+      <p:pic>
+        <p:nvPicPr>
+          <p:cNvPr id="1026" name="Picture 2" descr="https://miro.medium.com/max/533/1*__fMLVdpPkf7FS5CgZEAog.png">
+            <a:extLst>
+              <a:ext uri="{FF2B5EF4-FFF2-40B4-BE49-F238E27FC236}">
+                <a16:creationId xmlns:a16="http://schemas.microsoft.com/office/drawing/2014/main" id="{7EE29CD3-34E6-4F5F-9785-A22E8E434197}"/>
+              </a:ext>
+            </a:extLst>
+          </p:cNvPr>
+          <p:cNvPicPr>
+            <a:picLocks noChangeAspect="1" noChangeArrowheads="1"/>
+          </p:cNvPicPr>
+          <p:nvPr/>
+        </p:nvPicPr>
+        <p:blipFill>
+          <a:blip r:embed="rId3">
+            <a:extLst>
+              <a:ext uri="{28A0092B-C50C-407E-A947-70E740481C1C}">
+                <a14:useLocalDpi xmlns:a14="http://schemas.microsoft.com/office/drawing/2010/main" val="0"/>
+              </a:ext>
+            </a:extLst>
+          </a:blip>
+          <a:srcRect/>
+          <a:stretch>
+            <a:fillRect/>
+          </a:stretch>
+        </p:blipFill>
+        <p:spPr bwMode="auto">
+          <a:xfrm>
+            <a:off x="2067069" y="1690688"/>
+            <a:ext cx="2621473" cy="713828"/>
+          </a:xfrm>
+          <a:prstGeom prst="rect">
+            <a:avLst/>
+          </a:prstGeom>
+          <a:noFill/>
+          <a:extLst>
+            <a:ext uri="{909E8E84-426E-40DD-AFC4-6F175D3DCCD1}">
+              <a14:hiddenFill xmlns:a14="http://schemas.microsoft.com/office/drawing/2010/main">
+                <a:solidFill>
+                  <a:srgbClr val="FFFFFF"/>
+                </a:solidFill>
+              </a14:hiddenFill>
+            </a:ext>
+          </a:extLst>
+        </p:spPr>
+      </p:pic>
+      <p:pic>
+        <p:nvPicPr>
+          <p:cNvPr id="1028" name="Picture 4" descr="https://miro.medium.com/max/1205/1*7P-U3garSrOoy6mwkedbzA.png">
+            <a:extLst>
+              <a:ext uri="{FF2B5EF4-FFF2-40B4-BE49-F238E27FC236}">
+                <a16:creationId xmlns:a16="http://schemas.microsoft.com/office/drawing/2014/main" id="{92E35F35-312F-46A9-AD95-794A3AB34A17}"/>
+              </a:ext>
+            </a:extLst>
+          </p:cNvPr>
+          <p:cNvPicPr>
+            <a:picLocks noChangeAspect="1" noChangeArrowheads="1"/>
+          </p:cNvPicPr>
+          <p:nvPr/>
+        </p:nvPicPr>
+        <p:blipFill>
+          <a:blip r:embed="rId4">
+            <a:extLst>
+              <a:ext uri="{28A0092B-C50C-407E-A947-70E740481C1C}">
+                <a14:useLocalDpi xmlns:a14="http://schemas.microsoft.com/office/drawing/2010/main" val="0"/>
+              </a:ext>
+            </a:extLst>
+          </a:blip>
+          <a:srcRect/>
+          <a:stretch>
+            <a:fillRect/>
+          </a:stretch>
+        </p:blipFill>
+        <p:spPr bwMode="auto">
+          <a:xfrm>
+            <a:off x="341434" y="5467465"/>
+            <a:ext cx="4062046" cy="1390535"/>
+          </a:xfrm>
+          <a:prstGeom prst="rect">
+            <a:avLst/>
+          </a:prstGeom>
+          <a:noFill/>
+          <a:extLst>
+            <a:ext uri="{909E8E84-426E-40DD-AFC4-6F175D3DCCD1}">
+              <a14:hiddenFill xmlns:a14="http://schemas.microsoft.com/office/drawing/2010/main">
+                <a:solidFill>
+                  <a:srgbClr val="FFFFFF"/>
+                </a:solidFill>
+              </a14:hiddenFill>
+            </a:ext>
+          </a:extLst>
+        </p:spPr>
+      </p:pic>
     </p:spTree>
     <p:extLst>
       <p:ext uri="{BB962C8B-B14F-4D97-AF65-F5344CB8AC3E}">
         <p14:creationId xmlns:p14="http://schemas.microsoft.com/office/powerpoint/2010/main" val="3439000260"/>
+      </p:ext>
+    </p:extLst>
+  </p:cSld>
+  <p:clrMapOvr>
+    <a:masterClrMapping/>
+  </p:clrMapOvr>
+</p:sld>
+</file>
+
+<file path=ppt/slides/slide5.xml><?xml version="1.0" encoding="utf-8"?>
+<p:sld xmlns:a="http://schemas.openxmlformats.org/drawingml/2006/main" xmlns:r="http://schemas.openxmlformats.org/officeDocument/2006/relationships" xmlns:p="http://schemas.openxmlformats.org/presentationml/2006/main">
+  <p:cSld>
+    <p:spTree>
+      <p:nvGrpSpPr>
+        <p:cNvPr id="1" name=""/>
+        <p:cNvGrpSpPr/>
+        <p:nvPr/>
+      </p:nvGrpSpPr>
+      <p:grpSpPr>
+        <a:xfrm>
+          <a:off x="0" y="0"/>
+          <a:ext cx="0" cy="0"/>
+          <a:chOff x="0" y="0"/>
+          <a:chExt cx="0" cy="0"/>
+        </a:xfrm>
+      </p:grpSpPr>
+      <p:sp>
+        <p:nvSpPr>
+          <p:cNvPr id="2" name="標題 1"/>
+          <p:cNvSpPr>
+            <a:spLocks noGrp="1"/>
+          </p:cNvSpPr>
+          <p:nvPr>
+            <p:ph type="title"/>
+          </p:nvPr>
+        </p:nvSpPr>
+        <p:spPr/>
+        <p:txBody>
+          <a:bodyPr/>
+          <a:lstStyle/>
+          <a:p>
+            <a:r>
+              <a:rPr lang="zh-TW" altLang="en-US" dirty="0">
+                <a:latin typeface="微軟正黑體" panose="020B0604030504040204" pitchFamily="34" charset="-120"/>
+                <a:ea typeface="微軟正黑體" panose="020B0604030504040204" pitchFamily="34" charset="-120"/>
+              </a:rPr>
+              <a:t>資料預先處理與標記</a:t>
+            </a:r>
+            <a:endParaRPr lang="en-US" altLang="zh-TW" dirty="0">
+              <a:latin typeface="微軟正黑體" panose="020B0604030504040204" pitchFamily="34" charset="-120"/>
+              <a:ea typeface="微軟正黑體" panose="020B0604030504040204" pitchFamily="34" charset="-120"/>
+            </a:endParaRPr>
+          </a:p>
+        </p:txBody>
+      </p:sp>
+      <p:pic>
+        <p:nvPicPr>
+          <p:cNvPr id="4" name="圖片 3">
+            <a:extLst>
+              <a:ext uri="{FF2B5EF4-FFF2-40B4-BE49-F238E27FC236}">
+                <a16:creationId xmlns:a16="http://schemas.microsoft.com/office/drawing/2014/main" id="{E483215A-2264-4DD5-966C-5B4D42765732}"/>
+              </a:ext>
+            </a:extLst>
+          </p:cNvPr>
+          <p:cNvPicPr>
+            <a:picLocks noChangeAspect="1"/>
+          </p:cNvPicPr>
+          <p:nvPr/>
+        </p:nvPicPr>
+        <p:blipFill rotWithShape="1">
+          <a:blip r:embed="rId2"/>
+          <a:srcRect t="47335" r="40385" b="33213"/>
+          <a:stretch/>
+        </p:blipFill>
+        <p:spPr>
+          <a:xfrm>
+            <a:off x="838200" y="2146249"/>
+            <a:ext cx="8927123" cy="2626822"/>
+          </a:xfrm>
+          <a:prstGeom prst="rect">
+            <a:avLst/>
+          </a:prstGeom>
+        </p:spPr>
+      </p:pic>
+      <p:sp>
+        <p:nvSpPr>
+          <p:cNvPr id="5" name="矩形 4">
+            <a:extLst>
+              <a:ext uri="{FF2B5EF4-FFF2-40B4-BE49-F238E27FC236}">
+                <a16:creationId xmlns:a16="http://schemas.microsoft.com/office/drawing/2014/main" id="{59322041-C0AF-4BBE-9F34-4B5E0D12B1BF}"/>
+              </a:ext>
+            </a:extLst>
+          </p:cNvPr>
+          <p:cNvSpPr/>
+          <p:nvPr/>
+        </p:nvSpPr>
+        <p:spPr>
+          <a:xfrm>
+            <a:off x="838200" y="1325163"/>
+            <a:ext cx="10930134" cy="1569660"/>
+          </a:xfrm>
+          <a:prstGeom prst="rect">
+            <a:avLst/>
+          </a:prstGeom>
+        </p:spPr>
+        <p:txBody>
+          <a:bodyPr wrap="square">
+            <a:spAutoFit/>
+          </a:bodyPr>
+          <a:lstStyle/>
+          <a:p>
+            <a:r>
+              <a:rPr lang="en-US" altLang="zh-TW" sz="2400" dirty="0" err="1">
+                <a:latin typeface="微軟正黑體" panose="020B0604030504040204" pitchFamily="34" charset="-120"/>
+                <a:ea typeface="微軟正黑體" panose="020B0604030504040204" pitchFamily="34" charset="-120"/>
+              </a:rPr>
+              <a:t>Keras</a:t>
+            </a:r>
+            <a:r>
+              <a:rPr lang="en-US" altLang="zh-TW" sz="2400" dirty="0">
+                <a:latin typeface="微軟正黑體" panose="020B0604030504040204" pitchFamily="34" charset="-120"/>
+                <a:ea typeface="微軟正黑體" panose="020B0604030504040204" pitchFamily="34" charset="-120"/>
+              </a:rPr>
+              <a:t> </a:t>
+            </a:r>
+            <a:r>
+              <a:rPr lang="zh-TW" altLang="en-US" sz="2400" dirty="0">
+                <a:latin typeface="微軟正黑體" panose="020B0604030504040204" pitchFamily="34" charset="-120"/>
+                <a:ea typeface="微軟正黑體" panose="020B0604030504040204" pitchFamily="34" charset="-120"/>
+              </a:rPr>
+              <a:t>透過 </a:t>
+            </a:r>
+            <a:r>
+              <a:rPr lang="en-US" altLang="zh-TW" sz="2400" dirty="0">
+                <a:latin typeface="微軟正黑體" panose="020B0604030504040204" pitchFamily="34" charset="-120"/>
+                <a:ea typeface="微軟正黑體" panose="020B0604030504040204" pitchFamily="34" charset="-120"/>
+              </a:rPr>
+              <a:t>Pipeline </a:t>
+            </a:r>
+            <a:r>
+              <a:rPr lang="zh-TW" altLang="en-US" sz="2400" dirty="0">
+                <a:latin typeface="微軟正黑體" panose="020B0604030504040204" pitchFamily="34" charset="-120"/>
+                <a:ea typeface="微軟正黑體" panose="020B0604030504040204" pitchFamily="34" charset="-120"/>
+              </a:rPr>
+              <a:t>的方式將不同 </a:t>
+            </a:r>
+            <a:r>
+              <a:rPr lang="en-US" altLang="zh-TW" sz="2400" dirty="0">
+                <a:latin typeface="微軟正黑體" panose="020B0604030504040204" pitchFamily="34" charset="-120"/>
+                <a:ea typeface="微軟正黑體" panose="020B0604030504040204" pitchFamily="34" charset="-120"/>
+              </a:rPr>
+              <a:t>layer </a:t>
+            </a:r>
+            <a:r>
+              <a:rPr lang="zh-TW" altLang="en-US" sz="2400" dirty="0">
+                <a:latin typeface="微軟正黑體" panose="020B0604030504040204" pitchFamily="34" charset="-120"/>
+                <a:ea typeface="微軟正黑體" panose="020B0604030504040204" pitchFamily="34" charset="-120"/>
+              </a:rPr>
+              <a:t>的神經網絡碟在一起，只要指定各層的類型、要幾個 </a:t>
+            </a:r>
+            <a:r>
+              <a:rPr lang="en-US" altLang="zh-TW" sz="2400" dirty="0">
+                <a:latin typeface="微軟正黑體" panose="020B0604030504040204" pitchFamily="34" charset="-120"/>
+                <a:ea typeface="微軟正黑體" panose="020B0604030504040204" pitchFamily="34" charset="-120"/>
+              </a:rPr>
+              <a:t>dimension </a:t>
+            </a:r>
+            <a:r>
+              <a:rPr lang="zh-TW" altLang="en-US" sz="2400" dirty="0">
+                <a:latin typeface="微軟正黑體" panose="020B0604030504040204" pitchFamily="34" charset="-120"/>
+                <a:ea typeface="微軟正黑體" panose="020B0604030504040204" pitchFamily="34" charset="-120"/>
+              </a:rPr>
+              <a:t>、</a:t>
+            </a:r>
+            <a:r>
+              <a:rPr lang="en-US" altLang="zh-TW" sz="2400" dirty="0">
+                <a:latin typeface="微軟正黑體" panose="020B0604030504040204" pitchFamily="34" charset="-120"/>
+                <a:ea typeface="微軟正黑體" panose="020B0604030504040204" pitchFamily="34" charset="-120"/>
+              </a:rPr>
+              <a:t>activation function </a:t>
+            </a:r>
+            <a:r>
+              <a:rPr lang="zh-TW" altLang="en-US" sz="2400" dirty="0">
+                <a:latin typeface="微軟正黑體" panose="020B0604030504040204" pitchFamily="34" charset="-120"/>
+                <a:ea typeface="微軟正黑體" panose="020B0604030504040204" pitchFamily="34" charset="-120"/>
+              </a:rPr>
+              <a:t>，就可以建立 </a:t>
+            </a:r>
+            <a:r>
+              <a:rPr lang="en-US" altLang="zh-TW" sz="2400" dirty="0">
+                <a:latin typeface="微軟正黑體" panose="020B0604030504040204" pitchFamily="34" charset="-120"/>
+                <a:ea typeface="微軟正黑體" panose="020B0604030504040204" pitchFamily="34" charset="-120"/>
+              </a:rPr>
+              <a:t>Model</a:t>
+            </a:r>
+          </a:p>
+          <a:p>
+            <a:endParaRPr lang="en-US" altLang="zh-TW" sz="2400" dirty="0">
+              <a:latin typeface="微軟正黑體" panose="020B0604030504040204" pitchFamily="34" charset="-120"/>
+              <a:ea typeface="微軟正黑體" panose="020B0604030504040204" pitchFamily="34" charset="-120"/>
+            </a:endParaRPr>
+          </a:p>
+          <a:p>
+            <a:endParaRPr lang="zh-TW" altLang="en-US" sz="2400" dirty="0">
+              <a:latin typeface="微軟正黑體" panose="020B0604030504040204" pitchFamily="34" charset="-120"/>
+              <a:ea typeface="微軟正黑體" panose="020B0604030504040204" pitchFamily="34" charset="-120"/>
+            </a:endParaRPr>
+          </a:p>
+        </p:txBody>
+      </p:sp>
+      <p:sp>
+        <p:nvSpPr>
+          <p:cNvPr id="6" name="矩形 5">
+            <a:extLst>
+              <a:ext uri="{FF2B5EF4-FFF2-40B4-BE49-F238E27FC236}">
+                <a16:creationId xmlns:a16="http://schemas.microsoft.com/office/drawing/2014/main" id="{5A976A3B-3A85-4AAA-9990-106147D98036}"/>
+              </a:ext>
+            </a:extLst>
+          </p:cNvPr>
+          <p:cNvSpPr/>
+          <p:nvPr/>
+        </p:nvSpPr>
+        <p:spPr>
+          <a:xfrm>
+            <a:off x="838200" y="4752372"/>
+            <a:ext cx="10930134" cy="830997"/>
+          </a:xfrm>
+          <a:prstGeom prst="rect">
+            <a:avLst/>
+          </a:prstGeom>
+        </p:spPr>
+        <p:txBody>
+          <a:bodyPr wrap="square">
+            <a:spAutoFit/>
+          </a:bodyPr>
+          <a:lstStyle/>
+          <a:p>
+            <a:r>
+              <a:rPr lang="zh-TW" altLang="en-US" sz="2400" dirty="0">
+                <a:latin typeface="微軟正黑體" panose="020B0604030504040204" pitchFamily="34" charset="-120"/>
+                <a:ea typeface="微軟正黑體" panose="020B0604030504040204" pitchFamily="34" charset="-120"/>
+              </a:rPr>
+              <a:t>指定 </a:t>
+            </a:r>
+            <a:r>
+              <a:rPr lang="en-US" altLang="zh-TW" sz="2400" dirty="0">
+                <a:latin typeface="微軟正黑體" panose="020B0604030504040204" pitchFamily="34" charset="-120"/>
+                <a:ea typeface="微軟正黑體" panose="020B0604030504040204" pitchFamily="34" charset="-120"/>
+              </a:rPr>
+              <a:t>model </a:t>
+            </a:r>
+            <a:r>
+              <a:rPr lang="zh-TW" altLang="en-US" sz="2400" dirty="0">
+                <a:latin typeface="微軟正黑體" panose="020B0604030504040204" pitchFamily="34" charset="-120"/>
+                <a:ea typeface="微軟正黑體" panose="020B0604030504040204" pitchFamily="34" charset="-120"/>
+              </a:rPr>
+              <a:t>後</a:t>
+            </a:r>
+            <a:endParaRPr lang="en-US" altLang="zh-TW" sz="2400" dirty="0">
+              <a:latin typeface="微軟正黑體" panose="020B0604030504040204" pitchFamily="34" charset="-120"/>
+              <a:ea typeface="微軟正黑體" panose="020B0604030504040204" pitchFamily="34" charset="-120"/>
+            </a:endParaRPr>
+          </a:p>
+          <a:p>
+            <a:r>
+              <a:rPr lang="zh-TW" altLang="en-US" sz="2400" dirty="0">
+                <a:latin typeface="微軟正黑體" panose="020B0604030504040204" pitchFamily="34" charset="-120"/>
+                <a:ea typeface="微軟正黑體" panose="020B0604030504040204" pitchFamily="34" charset="-120"/>
+              </a:rPr>
+              <a:t>透過 </a:t>
+            </a:r>
+            <a:r>
+              <a:rPr lang="en-US" altLang="zh-TW" sz="2400" dirty="0" err="1">
+                <a:latin typeface="微軟正黑體" panose="020B0604030504040204" pitchFamily="34" charset="-120"/>
+                <a:ea typeface="微軟正黑體" panose="020B0604030504040204" pitchFamily="34" charset="-120"/>
+              </a:rPr>
+              <a:t>model.add</a:t>
+            </a:r>
+            <a:r>
+              <a:rPr lang="en-US" altLang="zh-TW" sz="2400" dirty="0">
+                <a:latin typeface="微軟正黑體" panose="020B0604030504040204" pitchFamily="34" charset="-120"/>
+                <a:ea typeface="微軟正黑體" panose="020B0604030504040204" pitchFamily="34" charset="-120"/>
+              </a:rPr>
+              <a:t> </a:t>
+            </a:r>
+            <a:r>
+              <a:rPr lang="zh-TW" altLang="en-US" sz="2400" dirty="0">
+                <a:latin typeface="微軟正黑體" panose="020B0604030504040204" pitchFamily="34" charset="-120"/>
+                <a:ea typeface="微軟正黑體" panose="020B0604030504040204" pitchFamily="34" charset="-120"/>
+              </a:rPr>
+              <a:t>的方式由前向後加層</a:t>
+            </a:r>
+          </a:p>
+        </p:txBody>
+      </p:sp>
+      <p:pic>
+        <p:nvPicPr>
+          <p:cNvPr id="7" name="圖片 6">
+            <a:extLst>
+              <a:ext uri="{FF2B5EF4-FFF2-40B4-BE49-F238E27FC236}">
+                <a16:creationId xmlns:a16="http://schemas.microsoft.com/office/drawing/2014/main" id="{463DDC36-D57F-4C59-88CE-758884730E62}"/>
+              </a:ext>
+            </a:extLst>
+          </p:cNvPr>
+          <p:cNvPicPr>
+            <a:picLocks noChangeAspect="1"/>
+          </p:cNvPicPr>
+          <p:nvPr/>
+        </p:nvPicPr>
+        <p:blipFill>
+          <a:blip r:embed="rId3"/>
+          <a:stretch>
+            <a:fillRect/>
+          </a:stretch>
+        </p:blipFill>
+        <p:spPr>
+          <a:xfrm>
+            <a:off x="7427207" y="4219426"/>
+            <a:ext cx="4676232" cy="2626822"/>
+          </a:xfrm>
+          <a:prstGeom prst="rect">
+            <a:avLst/>
+          </a:prstGeom>
+        </p:spPr>
+      </p:pic>
+      <p:sp>
+        <p:nvSpPr>
+          <p:cNvPr id="8" name="矩形 7">
+            <a:extLst>
+              <a:ext uri="{FF2B5EF4-FFF2-40B4-BE49-F238E27FC236}">
+                <a16:creationId xmlns:a16="http://schemas.microsoft.com/office/drawing/2014/main" id="{638DCC9A-5C7E-4022-906D-85848CB81335}"/>
+              </a:ext>
+            </a:extLst>
+          </p:cNvPr>
+          <p:cNvSpPr/>
+          <p:nvPr/>
+        </p:nvSpPr>
+        <p:spPr>
+          <a:xfrm>
+            <a:off x="838200" y="5661878"/>
+            <a:ext cx="6096000" cy="830997"/>
+          </a:xfrm>
+          <a:prstGeom prst="rect">
+            <a:avLst/>
+          </a:prstGeom>
+        </p:spPr>
+        <p:txBody>
+          <a:bodyPr>
+            <a:spAutoFit/>
+          </a:bodyPr>
+          <a:lstStyle/>
+          <a:p>
+            <a:r>
+              <a:rPr lang="zh-TW" altLang="en-US" sz="2400" dirty="0">
+                <a:latin typeface="微軟正黑體" panose="020B0604030504040204" pitchFamily="34" charset="-120"/>
+                <a:ea typeface="微軟正黑體" panose="020B0604030504040204" pitchFamily="34" charset="-120"/>
+              </a:rPr>
+              <a:t>最後一層因為要輸出十個類別，所以用了 </a:t>
+            </a:r>
+            <a:r>
+              <a:rPr lang="en-US" altLang="zh-TW" sz="2400" dirty="0">
+                <a:latin typeface="微軟正黑體" panose="020B0604030504040204" pitchFamily="34" charset="-120"/>
+                <a:ea typeface="微軟正黑體" panose="020B0604030504040204" pitchFamily="34" charset="-120"/>
+              </a:rPr>
+              <a:t>10 </a:t>
+            </a:r>
+            <a:r>
+              <a:rPr lang="zh-TW" altLang="en-US" sz="2400" dirty="0">
+                <a:latin typeface="微軟正黑體" panose="020B0604030504040204" pitchFamily="34" charset="-120"/>
+                <a:ea typeface="微軟正黑體" panose="020B0604030504040204" pitchFamily="34" charset="-120"/>
+              </a:rPr>
+              <a:t>個節點的 </a:t>
+            </a:r>
+            <a:r>
+              <a:rPr lang="en-US" altLang="zh-TW" sz="2400" dirty="0" err="1">
+                <a:latin typeface="微軟正黑體" panose="020B0604030504040204" pitchFamily="34" charset="-120"/>
+                <a:ea typeface="微軟正黑體" panose="020B0604030504040204" pitchFamily="34" charset="-120"/>
+              </a:rPr>
+              <a:t>softmax</a:t>
+            </a:r>
+            <a:endParaRPr lang="zh-TW" altLang="en-US" sz="2400" dirty="0">
+              <a:latin typeface="微軟正黑體" panose="020B0604030504040204" pitchFamily="34" charset="-120"/>
+              <a:ea typeface="微軟正黑體" panose="020B0604030504040204" pitchFamily="34" charset="-120"/>
+            </a:endParaRPr>
+          </a:p>
+        </p:txBody>
+      </p:sp>
+      <p:sp>
+        <p:nvSpPr>
+          <p:cNvPr id="9" name="矩形 8">
+            <a:extLst>
+              <a:ext uri="{FF2B5EF4-FFF2-40B4-BE49-F238E27FC236}">
+                <a16:creationId xmlns:a16="http://schemas.microsoft.com/office/drawing/2014/main" id="{3CE2E8DD-290D-4E48-B3D7-C637B502A4C3}"/>
+              </a:ext>
+            </a:extLst>
+          </p:cNvPr>
+          <p:cNvSpPr/>
+          <p:nvPr/>
+        </p:nvSpPr>
+        <p:spPr>
+          <a:xfrm>
+            <a:off x="3148284" y="4087914"/>
+            <a:ext cx="4278923" cy="923330"/>
+          </a:xfrm>
+          <a:prstGeom prst="rect">
+            <a:avLst/>
+          </a:prstGeom>
+        </p:spPr>
+        <p:txBody>
+          <a:bodyPr wrap="square">
+            <a:spAutoFit/>
+          </a:bodyPr>
+          <a:lstStyle/>
+          <a:p>
+            <a:r>
+              <a:rPr lang="en-US" altLang="zh-TW" b="1" dirty="0">
+                <a:solidFill>
+                  <a:srgbClr val="FF0000"/>
+                </a:solidFill>
+                <a:latin typeface="微軟正黑體" panose="020B0604030504040204" pitchFamily="34" charset="-120"/>
+                <a:ea typeface="微軟正黑體" panose="020B0604030504040204" pitchFamily="34" charset="-120"/>
+              </a:rPr>
+              <a:t>summary </a:t>
+            </a:r>
+            <a:r>
+              <a:rPr lang="zh-TW" altLang="en-US" b="1" dirty="0">
+                <a:solidFill>
+                  <a:srgbClr val="FF0000"/>
+                </a:solidFill>
+                <a:latin typeface="微軟正黑體" panose="020B0604030504040204" pitchFamily="34" charset="-120"/>
+                <a:ea typeface="微軟正黑體" panose="020B0604030504040204" pitchFamily="34" charset="-120"/>
+              </a:rPr>
+              <a:t>可以看得出來每一層用的 </a:t>
+            </a:r>
+            <a:r>
+              <a:rPr lang="en-US" altLang="zh-TW" b="1" dirty="0">
+                <a:solidFill>
+                  <a:srgbClr val="FF0000"/>
+                </a:solidFill>
+                <a:latin typeface="微軟正黑體" panose="020B0604030504040204" pitchFamily="34" charset="-120"/>
+                <a:ea typeface="微軟正黑體" panose="020B0604030504040204" pitchFamily="34" charset="-120"/>
+              </a:rPr>
+              <a:t>layer</a:t>
+            </a:r>
+            <a:r>
+              <a:rPr lang="zh-TW" altLang="en-US" b="1" dirty="0">
+                <a:solidFill>
+                  <a:srgbClr val="FF0000"/>
+                </a:solidFill>
+                <a:latin typeface="微軟正黑體" panose="020B0604030504040204" pitchFamily="34" charset="-120"/>
+                <a:ea typeface="微軟正黑體" panose="020B0604030504040204" pitchFamily="34" charset="-120"/>
+              </a:rPr>
+              <a:t>、有幾個節點、總共有多少參數要算等重要資訊</a:t>
+            </a:r>
+          </a:p>
+        </p:txBody>
+      </p:sp>
+    </p:spTree>
+    <p:extLst>
+      <p:ext uri="{BB962C8B-B14F-4D97-AF65-F5344CB8AC3E}">
+        <p14:creationId xmlns:p14="http://schemas.microsoft.com/office/powerpoint/2010/main" val="2184097204"/>
+      </p:ext>
+    </p:extLst>
+  </p:cSld>
+  <p:clrMapOvr>
+    <a:masterClrMapping/>
+  </p:clrMapOvr>
+</p:sld>
+</file>
+
+<file path=ppt/slides/slide6.xml><?xml version="1.0" encoding="utf-8"?>
+<p:sld xmlns:a="http://schemas.openxmlformats.org/drawingml/2006/main" xmlns:r="http://schemas.openxmlformats.org/officeDocument/2006/relationships" xmlns:p="http://schemas.openxmlformats.org/presentationml/2006/main">
+  <p:cSld>
+    <p:spTree>
+      <p:nvGrpSpPr>
+        <p:cNvPr id="1" name=""/>
+        <p:cNvGrpSpPr/>
+        <p:nvPr/>
+      </p:nvGrpSpPr>
+      <p:grpSpPr>
+        <a:xfrm>
+          <a:off x="0" y="0"/>
+          <a:ext cx="0" cy="0"/>
+          <a:chOff x="0" y="0"/>
+          <a:chExt cx="0" cy="0"/>
+        </a:xfrm>
+      </p:grpSpPr>
+      <p:sp>
+        <p:nvSpPr>
+          <p:cNvPr id="2" name="標題 1"/>
+          <p:cNvSpPr>
+            <a:spLocks noGrp="1"/>
+          </p:cNvSpPr>
+          <p:nvPr>
+            <p:ph type="title"/>
+          </p:nvPr>
+        </p:nvSpPr>
+        <p:spPr/>
+        <p:txBody>
+          <a:bodyPr/>
+          <a:lstStyle/>
+          <a:p>
+            <a:r>
+              <a:rPr lang="en-US" altLang="zh-TW" dirty="0">
+                <a:latin typeface="微軟正黑體" panose="020B0604030504040204" pitchFamily="34" charset="-120"/>
+                <a:ea typeface="微軟正黑體" panose="020B0604030504040204" pitchFamily="34" charset="-120"/>
+              </a:rPr>
+              <a:t>AI</a:t>
+            </a:r>
+            <a:r>
+              <a:rPr lang="zh-TW" altLang="en-US" dirty="0">
+                <a:latin typeface="微軟正黑體" panose="020B0604030504040204" pitchFamily="34" charset="-120"/>
+                <a:ea typeface="微軟正黑體" panose="020B0604030504040204" pitchFamily="34" charset="-120"/>
+              </a:rPr>
+              <a:t>模型訓練</a:t>
+            </a:r>
+            <a:endParaRPr lang="en-US" altLang="zh-TW" dirty="0">
+              <a:latin typeface="微軟正黑體" panose="020B0604030504040204" pitchFamily="34" charset="-120"/>
+              <a:ea typeface="微軟正黑體" panose="020B0604030504040204" pitchFamily="34" charset="-120"/>
+            </a:endParaRPr>
+          </a:p>
+        </p:txBody>
+      </p:sp>
+      <p:pic>
+        <p:nvPicPr>
+          <p:cNvPr id="4" name="圖片 3">
+            <a:extLst>
+              <a:ext uri="{FF2B5EF4-FFF2-40B4-BE49-F238E27FC236}">
+                <a16:creationId xmlns:a16="http://schemas.microsoft.com/office/drawing/2014/main" id="{E483215A-2264-4DD5-966C-5B4D42765732}"/>
+              </a:ext>
+            </a:extLst>
+          </p:cNvPr>
+          <p:cNvPicPr>
+            <a:picLocks noChangeAspect="1"/>
+          </p:cNvPicPr>
+          <p:nvPr/>
+        </p:nvPicPr>
+        <p:blipFill rotWithShape="1">
+          <a:blip r:embed="rId2"/>
+          <a:srcRect l="171" t="67538" r="46567" b="22716"/>
+          <a:stretch/>
+        </p:blipFill>
+        <p:spPr>
+          <a:xfrm>
+            <a:off x="4806461" y="3270372"/>
+            <a:ext cx="7231301" cy="1193189"/>
+          </a:xfrm>
+          <a:prstGeom prst="rect">
+            <a:avLst/>
+          </a:prstGeom>
+        </p:spPr>
+      </p:pic>
+      <p:sp>
+        <p:nvSpPr>
+          <p:cNvPr id="5" name="矩形 4">
+            <a:extLst>
+              <a:ext uri="{FF2B5EF4-FFF2-40B4-BE49-F238E27FC236}">
+                <a16:creationId xmlns:a16="http://schemas.microsoft.com/office/drawing/2014/main" id="{5D218B9C-952B-4A9C-B0FF-99D41980470D}"/>
+              </a:ext>
+            </a:extLst>
+          </p:cNvPr>
+          <p:cNvSpPr/>
+          <p:nvPr/>
+        </p:nvSpPr>
+        <p:spPr>
+          <a:xfrm>
+            <a:off x="527540" y="1690688"/>
+            <a:ext cx="4044461" cy="3416320"/>
+          </a:xfrm>
+          <a:prstGeom prst="rect">
+            <a:avLst/>
+          </a:prstGeom>
+        </p:spPr>
+        <p:txBody>
+          <a:bodyPr wrap="square">
+            <a:spAutoFit/>
+          </a:bodyPr>
+          <a:lstStyle/>
+          <a:p>
+            <a:r>
+              <a:rPr lang="en-US" altLang="zh-TW" sz="2400" dirty="0" err="1">
+                <a:latin typeface="微軟正黑體" panose="020B0604030504040204" pitchFamily="34" charset="-120"/>
+                <a:ea typeface="微軟正黑體" panose="020B0604030504040204" pitchFamily="34" charset="-120"/>
+              </a:rPr>
+              <a:t>Keras</a:t>
+            </a:r>
+            <a:r>
+              <a:rPr lang="en-US" altLang="zh-TW" sz="2400" dirty="0">
+                <a:latin typeface="微軟正黑體" panose="020B0604030504040204" pitchFamily="34" charset="-120"/>
+                <a:ea typeface="微軟正黑體" panose="020B0604030504040204" pitchFamily="34" charset="-120"/>
+              </a:rPr>
+              <a:t> </a:t>
+            </a:r>
+            <a:r>
+              <a:rPr lang="zh-TW" altLang="en-US" sz="2400" dirty="0">
+                <a:latin typeface="微軟正黑體" panose="020B0604030504040204" pitchFamily="34" charset="-120"/>
+                <a:ea typeface="微軟正黑體" panose="020B0604030504040204" pitchFamily="34" charset="-120"/>
+              </a:rPr>
+              <a:t>是靜態模型，需要先 </a:t>
+            </a:r>
+            <a:r>
+              <a:rPr lang="en-US" altLang="zh-TW" sz="2400" dirty="0">
+                <a:latin typeface="微軟正黑體" panose="020B0604030504040204" pitchFamily="34" charset="-120"/>
+                <a:ea typeface="微軟正黑體" panose="020B0604030504040204" pitchFamily="34" charset="-120"/>
+              </a:rPr>
+              <a:t>compile(</a:t>
+            </a:r>
+            <a:r>
+              <a:rPr lang="zh-TW" altLang="en-US" sz="2400" dirty="0">
+                <a:latin typeface="微軟正黑體" panose="020B0604030504040204" pitchFamily="34" charset="-120"/>
+                <a:ea typeface="微軟正黑體" panose="020B0604030504040204" pitchFamily="34" charset="-120"/>
+              </a:rPr>
+              <a:t>編譯</a:t>
+            </a:r>
+            <a:r>
+              <a:rPr lang="en-US" altLang="zh-TW" sz="2400" dirty="0">
+                <a:latin typeface="微軟正黑體" panose="020B0604030504040204" pitchFamily="34" charset="-120"/>
+                <a:ea typeface="微軟正黑體" panose="020B0604030504040204" pitchFamily="34" charset="-120"/>
+              </a:rPr>
+              <a:t>)</a:t>
+            </a:r>
+            <a:r>
+              <a:rPr lang="zh-TW" altLang="en-US" sz="2400" dirty="0">
+                <a:latin typeface="微軟正黑體" panose="020B0604030504040204" pitchFamily="34" charset="-120"/>
+                <a:ea typeface="微軟正黑體" panose="020B0604030504040204" pitchFamily="34" charset="-120"/>
+              </a:rPr>
+              <a:t>之後才能 </a:t>
+            </a:r>
+            <a:r>
+              <a:rPr lang="en-US" altLang="zh-TW" sz="2400" dirty="0">
+                <a:latin typeface="微軟正黑體" panose="020B0604030504040204" pitchFamily="34" charset="-120"/>
+                <a:ea typeface="微軟正黑體" panose="020B0604030504040204" pitchFamily="34" charset="-120"/>
+              </a:rPr>
+              <a:t>train</a:t>
+            </a:r>
+            <a:r>
+              <a:rPr lang="zh-TW" altLang="en-US" sz="2400" dirty="0">
+                <a:latin typeface="微軟正黑體" panose="020B0604030504040204" pitchFamily="34" charset="-120"/>
+                <a:ea typeface="微軟正黑體" panose="020B0604030504040204" pitchFamily="34" charset="-120"/>
+              </a:rPr>
+              <a:t>．在 </a:t>
+            </a:r>
+            <a:r>
+              <a:rPr lang="en-US" altLang="zh-TW" sz="2400" dirty="0">
+                <a:latin typeface="微軟正黑體" panose="020B0604030504040204" pitchFamily="34" charset="-120"/>
+                <a:ea typeface="微軟正黑體" panose="020B0604030504040204" pitchFamily="34" charset="-120"/>
+              </a:rPr>
+              <a:t>compile </a:t>
+            </a:r>
+            <a:r>
+              <a:rPr lang="zh-TW" altLang="en-US" sz="2400" dirty="0">
+                <a:latin typeface="微軟正黑體" panose="020B0604030504040204" pitchFamily="34" charset="-120"/>
+                <a:ea typeface="微軟正黑體" panose="020B0604030504040204" pitchFamily="34" charset="-120"/>
+              </a:rPr>
+              <a:t>時需要指定 </a:t>
+            </a:r>
+            <a:r>
+              <a:rPr lang="en-US" altLang="zh-TW" sz="2400" dirty="0">
+                <a:latin typeface="微軟正黑體" panose="020B0604030504040204" pitchFamily="34" charset="-120"/>
+                <a:ea typeface="微軟正黑體" panose="020B0604030504040204" pitchFamily="34" charset="-120"/>
+              </a:rPr>
+              <a:t>loss function (</a:t>
+            </a:r>
+            <a:r>
+              <a:rPr lang="zh-TW" altLang="en-US" sz="2400" dirty="0">
+                <a:latin typeface="微軟正黑體" panose="020B0604030504040204" pitchFamily="34" charset="-120"/>
+                <a:ea typeface="微軟正黑體" panose="020B0604030504040204" pitchFamily="34" charset="-120"/>
+              </a:rPr>
+              <a:t>損失函數</a:t>
+            </a:r>
+            <a:r>
+              <a:rPr lang="en-US" altLang="zh-TW" sz="2400" dirty="0">
+                <a:latin typeface="微軟正黑體" panose="020B0604030504040204" pitchFamily="34" charset="-120"/>
+                <a:ea typeface="微軟正黑體" panose="020B0604030504040204" pitchFamily="34" charset="-120"/>
+              </a:rPr>
+              <a:t>)</a:t>
+            </a:r>
+          </a:p>
+          <a:p>
+            <a:endParaRPr lang="en-US" altLang="zh-TW" sz="2400" dirty="0">
+              <a:latin typeface="微軟正黑體" panose="020B0604030504040204" pitchFamily="34" charset="-120"/>
+              <a:ea typeface="微軟正黑體" panose="020B0604030504040204" pitchFamily="34" charset="-120"/>
+            </a:endParaRPr>
+          </a:p>
+          <a:p>
+            <a:endParaRPr lang="en-US" altLang="zh-TW" sz="2400" dirty="0">
+              <a:latin typeface="微軟正黑體" panose="020B0604030504040204" pitchFamily="34" charset="-120"/>
+              <a:ea typeface="微軟正黑體" panose="020B0604030504040204" pitchFamily="34" charset="-120"/>
+            </a:endParaRPr>
+          </a:p>
+          <a:p>
+            <a:endParaRPr lang="en-US" altLang="zh-TW" sz="2400" dirty="0">
+              <a:latin typeface="微軟正黑體" panose="020B0604030504040204" pitchFamily="34" charset="-120"/>
+              <a:ea typeface="微軟正黑體" panose="020B0604030504040204" pitchFamily="34" charset="-120"/>
+            </a:endParaRPr>
+          </a:p>
+          <a:p>
+            <a:r>
+              <a:rPr lang="zh-TW" altLang="en-US" sz="2400" dirty="0">
+                <a:latin typeface="微軟正黑體" panose="020B0604030504040204" pitchFamily="34" charset="-120"/>
+                <a:ea typeface="微軟正黑體" panose="020B0604030504040204" pitchFamily="34" charset="-120"/>
+              </a:rPr>
+              <a:t>、優化演算法、以及訓練時要看的 </a:t>
+            </a:r>
+            <a:r>
+              <a:rPr lang="en-US" altLang="zh-TW" sz="2400" dirty="0">
+                <a:latin typeface="微軟正黑體" panose="020B0604030504040204" pitchFamily="34" charset="-120"/>
+                <a:ea typeface="微軟正黑體" panose="020B0604030504040204" pitchFamily="34" charset="-120"/>
+              </a:rPr>
+              <a:t>metrics</a:t>
+            </a:r>
+            <a:endParaRPr lang="zh-TW" altLang="en-US" sz="2400" dirty="0">
+              <a:latin typeface="微軟正黑體" panose="020B0604030504040204" pitchFamily="34" charset="-120"/>
+              <a:ea typeface="微軟正黑體" panose="020B0604030504040204" pitchFamily="34" charset="-120"/>
+            </a:endParaRPr>
+          </a:p>
+        </p:txBody>
+      </p:sp>
+      <p:pic>
+        <p:nvPicPr>
+          <p:cNvPr id="7" name="圖片 6">
+            <a:extLst>
+              <a:ext uri="{FF2B5EF4-FFF2-40B4-BE49-F238E27FC236}">
+                <a16:creationId xmlns:a16="http://schemas.microsoft.com/office/drawing/2014/main" id="{762F164F-49B5-4F76-89EF-6C1ED16E4D66}"/>
+              </a:ext>
+            </a:extLst>
+          </p:cNvPr>
+          <p:cNvPicPr>
+            <a:picLocks noChangeAspect="1"/>
+          </p:cNvPicPr>
+          <p:nvPr/>
+        </p:nvPicPr>
+        <p:blipFill rotWithShape="1">
+          <a:blip r:embed="rId3"/>
+          <a:srcRect l="1" t="68066" r="82556" b="26428"/>
+          <a:stretch/>
+        </p:blipFill>
+        <p:spPr>
+          <a:xfrm>
+            <a:off x="293080" y="3270372"/>
+            <a:ext cx="3798274" cy="861647"/>
+          </a:xfrm>
+          <a:prstGeom prst="rect">
+            <a:avLst/>
+          </a:prstGeom>
+        </p:spPr>
+      </p:pic>
+      <p:pic>
+        <p:nvPicPr>
+          <p:cNvPr id="8" name="圖片 7">
+            <a:extLst>
+              <a:ext uri="{FF2B5EF4-FFF2-40B4-BE49-F238E27FC236}">
+                <a16:creationId xmlns:a16="http://schemas.microsoft.com/office/drawing/2014/main" id="{9D7D818F-7D72-41FD-AD9B-8615F52A2C70}"/>
+              </a:ext>
+            </a:extLst>
+          </p:cNvPr>
+          <p:cNvPicPr>
+            <a:picLocks noChangeAspect="1"/>
+          </p:cNvPicPr>
+          <p:nvPr/>
+        </p:nvPicPr>
+        <p:blipFill rotWithShape="1">
+          <a:blip r:embed="rId4"/>
+          <a:srcRect t="14758" r="44968" b="66954"/>
+          <a:stretch/>
+        </p:blipFill>
+        <p:spPr>
+          <a:xfrm>
+            <a:off x="353934" y="5133020"/>
+            <a:ext cx="3676566" cy="1039956"/>
+          </a:xfrm>
+          <a:prstGeom prst="rect">
+            <a:avLst/>
+          </a:prstGeom>
+        </p:spPr>
+      </p:pic>
+    </p:spTree>
+    <p:extLst>
+      <p:ext uri="{BB962C8B-B14F-4D97-AF65-F5344CB8AC3E}">
+        <p14:creationId xmlns:p14="http://schemas.microsoft.com/office/powerpoint/2010/main" val="1332650337"/>
+      </p:ext>
+    </p:extLst>
+  </p:cSld>
+  <p:clrMapOvr>
+    <a:masterClrMapping/>
+  </p:clrMapOvr>
+</p:sld>
+</file>
+
+<file path=ppt/slides/slide7.xml><?xml version="1.0" encoding="utf-8"?>
+<p:sld xmlns:a="http://schemas.openxmlformats.org/drawingml/2006/main" xmlns:r="http://schemas.openxmlformats.org/officeDocument/2006/relationships" xmlns:p="http://schemas.openxmlformats.org/presentationml/2006/main">
+  <p:cSld>
+    <p:spTree>
+      <p:nvGrpSpPr>
+        <p:cNvPr id="1" name=""/>
+        <p:cNvGrpSpPr/>
+        <p:nvPr/>
+      </p:nvGrpSpPr>
+      <p:grpSpPr>
+        <a:xfrm>
+          <a:off x="0" y="0"/>
+          <a:ext cx="0" cy="0"/>
+          <a:chOff x="0" y="0"/>
+          <a:chExt cx="0" cy="0"/>
+        </a:xfrm>
+      </p:grpSpPr>
+      <p:sp>
+        <p:nvSpPr>
+          <p:cNvPr id="2" name="標題 1"/>
+          <p:cNvSpPr>
+            <a:spLocks noGrp="1"/>
+          </p:cNvSpPr>
+          <p:nvPr>
+            <p:ph type="title"/>
+          </p:nvPr>
+        </p:nvSpPr>
+        <p:spPr/>
+        <p:txBody>
+          <a:bodyPr/>
+          <a:lstStyle/>
+          <a:p>
+            <a:r>
+              <a:rPr lang="en-US" altLang="zh-TW" dirty="0">
+                <a:latin typeface="微軟正黑體" panose="020B0604030504040204" pitchFamily="34" charset="-120"/>
+                <a:ea typeface="微軟正黑體" panose="020B0604030504040204" pitchFamily="34" charset="-120"/>
+              </a:rPr>
+              <a:t>AI</a:t>
+            </a:r>
+            <a:r>
+              <a:rPr lang="zh-TW" altLang="en-US" dirty="0">
+                <a:latin typeface="微軟正黑體" panose="020B0604030504040204" pitchFamily="34" charset="-120"/>
+                <a:ea typeface="微軟正黑體" panose="020B0604030504040204" pitchFamily="34" charset="-120"/>
+              </a:rPr>
+              <a:t>模型訓練</a:t>
+            </a:r>
+            <a:endParaRPr lang="en-US" altLang="zh-TW" dirty="0">
+              <a:latin typeface="微軟正黑體" panose="020B0604030504040204" pitchFamily="34" charset="-120"/>
+              <a:ea typeface="微軟正黑體" panose="020B0604030504040204" pitchFamily="34" charset="-120"/>
+            </a:endParaRPr>
+          </a:p>
+        </p:txBody>
+      </p:sp>
+      <p:pic>
+        <p:nvPicPr>
+          <p:cNvPr id="4" name="圖片 3">
+            <a:extLst>
+              <a:ext uri="{FF2B5EF4-FFF2-40B4-BE49-F238E27FC236}">
+                <a16:creationId xmlns:a16="http://schemas.microsoft.com/office/drawing/2014/main" id="{E483215A-2264-4DD5-966C-5B4D42765732}"/>
+              </a:ext>
+            </a:extLst>
+          </p:cNvPr>
+          <p:cNvPicPr>
+            <a:picLocks noChangeAspect="1"/>
+          </p:cNvPicPr>
+          <p:nvPr/>
+        </p:nvPicPr>
+        <p:blipFill rotWithShape="1">
+          <a:blip r:embed="rId2"/>
+          <a:srcRect t="76940" r="47300"/>
+          <a:stretch/>
+        </p:blipFill>
+        <p:spPr>
+          <a:xfrm>
+            <a:off x="4971164" y="1603712"/>
+            <a:ext cx="7220836" cy="2849348"/>
+          </a:xfrm>
+          <a:prstGeom prst="rect">
+            <a:avLst/>
+          </a:prstGeom>
+        </p:spPr>
+      </p:pic>
+      <p:pic>
+        <p:nvPicPr>
+          <p:cNvPr id="5" name="圖片 4">
+            <a:extLst>
+              <a:ext uri="{FF2B5EF4-FFF2-40B4-BE49-F238E27FC236}">
+                <a16:creationId xmlns:a16="http://schemas.microsoft.com/office/drawing/2014/main" id="{69976267-0A08-4FF8-8420-C0E64D35FBA2}"/>
+              </a:ext>
+            </a:extLst>
+          </p:cNvPr>
+          <p:cNvPicPr>
+            <a:picLocks noChangeAspect="1"/>
+          </p:cNvPicPr>
+          <p:nvPr/>
+        </p:nvPicPr>
+        <p:blipFill rotWithShape="1">
+          <a:blip r:embed="rId2"/>
+          <a:srcRect l="-1540" t="48" r="44818" b="69212"/>
+          <a:stretch/>
+        </p:blipFill>
+        <p:spPr>
+          <a:xfrm>
+            <a:off x="269631" y="1474758"/>
+            <a:ext cx="2883550" cy="1737365"/>
+          </a:xfrm>
+          <a:prstGeom prst="rect">
+            <a:avLst/>
+          </a:prstGeom>
+        </p:spPr>
+      </p:pic>
+      <p:cxnSp>
+        <p:nvCxnSpPr>
+          <p:cNvPr id="9" name="接點: 弧形 8">
+            <a:extLst>
+              <a:ext uri="{FF2B5EF4-FFF2-40B4-BE49-F238E27FC236}">
+                <a16:creationId xmlns:a16="http://schemas.microsoft.com/office/drawing/2014/main" id="{28631428-6499-4337-9B58-0BD99EDA2CDA}"/>
+              </a:ext>
+            </a:extLst>
+          </p:cNvPr>
+          <p:cNvCxnSpPr>
+            <a:cxnSpLocks/>
+            <a:stCxn id="5" idx="3"/>
+            <a:endCxn id="4" idx="1"/>
+          </p:cNvCxnSpPr>
+          <p:nvPr/>
+        </p:nvCxnSpPr>
+        <p:spPr>
+          <a:xfrm>
+            <a:off x="3153181" y="2343440"/>
+            <a:ext cx="1817983" cy="1080000"/>
+          </a:xfrm>
+          <a:prstGeom prst="curvedConnector3">
+            <a:avLst>
+              <a:gd name="adj1" fmla="val 47257"/>
+            </a:avLst>
+          </a:prstGeom>
+          <a:ln>
+            <a:solidFill>
+              <a:srgbClr val="C00000"/>
+            </a:solidFill>
+            <a:tailEnd type="triangle"/>
+          </a:ln>
+        </p:spPr>
+        <p:style>
+          <a:lnRef idx="1">
+            <a:schemeClr val="accent1"/>
+          </a:lnRef>
+          <a:fillRef idx="0">
+            <a:schemeClr val="accent1"/>
+          </a:fillRef>
+          <a:effectRef idx="0">
+            <a:schemeClr val="accent1"/>
+          </a:effectRef>
+          <a:fontRef idx="minor">
+            <a:schemeClr val="tx1"/>
+          </a:fontRef>
+        </p:style>
+      </p:cxnSp>
+    </p:spTree>
+    <p:extLst>
+      <p:ext uri="{BB962C8B-B14F-4D97-AF65-F5344CB8AC3E}">
+        <p14:creationId xmlns:p14="http://schemas.microsoft.com/office/powerpoint/2010/main" val="3612697730"/>
+      </p:ext>
+    </p:extLst>
+  </p:cSld>
+  <p:clrMapOvr>
+    <a:masterClrMapping/>
+  </p:clrMapOvr>
+</p:sld>
+</file>
+
+<file path=ppt/slides/slide8.xml><?xml version="1.0" encoding="utf-8"?>
+<p:sld xmlns:a="http://schemas.openxmlformats.org/drawingml/2006/main" xmlns:r="http://schemas.openxmlformats.org/officeDocument/2006/relationships" xmlns:p="http://schemas.openxmlformats.org/presentationml/2006/main">
+  <p:cSld>
+    <p:spTree>
+      <p:nvGrpSpPr>
+        <p:cNvPr id="1" name=""/>
+        <p:cNvGrpSpPr/>
+        <p:nvPr/>
+      </p:nvGrpSpPr>
+      <p:grpSpPr>
+        <a:xfrm>
+          <a:off x="0" y="0"/>
+          <a:ext cx="0" cy="0"/>
+          <a:chOff x="0" y="0"/>
+          <a:chExt cx="0" cy="0"/>
+        </a:xfrm>
+      </p:grpSpPr>
+      <p:sp>
+        <p:nvSpPr>
+          <p:cNvPr id="2" name="標題 1"/>
+          <p:cNvSpPr>
+            <a:spLocks noGrp="1"/>
+          </p:cNvSpPr>
+          <p:nvPr>
+            <p:ph type="title"/>
+          </p:nvPr>
+        </p:nvSpPr>
+        <p:spPr/>
+        <p:txBody>
+          <a:bodyPr/>
+          <a:lstStyle/>
+          <a:p>
+            <a:r>
+              <a:rPr lang="zh-TW" altLang="en-US" dirty="0">
+                <a:latin typeface="微軟正黑體" panose="020B0604030504040204" pitchFamily="34" charset="-120"/>
+                <a:ea typeface="微軟正黑體" panose="020B0604030504040204" pitchFamily="34" charset="-120"/>
+              </a:rPr>
+              <a:t>評估及應用</a:t>
+            </a:r>
+            <a:endParaRPr lang="en-US" altLang="zh-TW" dirty="0">
+              <a:latin typeface="微軟正黑體" panose="020B0604030504040204" pitchFamily="34" charset="-120"/>
+              <a:ea typeface="微軟正黑體" panose="020B0604030504040204" pitchFamily="34" charset="-120"/>
+            </a:endParaRPr>
+          </a:p>
+        </p:txBody>
+      </p:sp>
+      <p:pic>
+        <p:nvPicPr>
+          <p:cNvPr id="3" name="圖片 2">
+            <a:extLst>
+              <a:ext uri="{FF2B5EF4-FFF2-40B4-BE49-F238E27FC236}">
+                <a16:creationId xmlns:a16="http://schemas.microsoft.com/office/drawing/2014/main" id="{B5C324A3-2129-43EA-BC8F-F770AE9F5461}"/>
+              </a:ext>
+            </a:extLst>
+          </p:cNvPr>
+          <p:cNvPicPr>
+            <a:picLocks noChangeAspect="1"/>
+          </p:cNvPicPr>
+          <p:nvPr/>
+        </p:nvPicPr>
+        <p:blipFill>
+          <a:blip r:embed="rId2"/>
+          <a:stretch>
+            <a:fillRect/>
+          </a:stretch>
+        </p:blipFill>
+        <p:spPr>
+          <a:xfrm>
+            <a:off x="6096000" y="365125"/>
+            <a:ext cx="5810352" cy="6389049"/>
+          </a:xfrm>
+          <a:prstGeom prst="rect">
+            <a:avLst/>
+          </a:prstGeom>
+        </p:spPr>
+      </p:pic>
+      <p:sp>
+        <p:nvSpPr>
+          <p:cNvPr id="5" name="矩形 4">
+            <a:extLst>
+              <a:ext uri="{FF2B5EF4-FFF2-40B4-BE49-F238E27FC236}">
+                <a16:creationId xmlns:a16="http://schemas.microsoft.com/office/drawing/2014/main" id="{FFED8DD2-57C4-400F-A890-F2D0576B7787}"/>
+              </a:ext>
+            </a:extLst>
+          </p:cNvPr>
+          <p:cNvSpPr/>
+          <p:nvPr/>
+        </p:nvSpPr>
+        <p:spPr>
+          <a:xfrm>
+            <a:off x="838200" y="1690688"/>
+            <a:ext cx="5257800" cy="830997"/>
+          </a:xfrm>
+          <a:prstGeom prst="rect">
+            <a:avLst/>
+          </a:prstGeom>
+        </p:spPr>
+        <p:txBody>
+          <a:bodyPr wrap="square">
+            <a:spAutoFit/>
+          </a:bodyPr>
+          <a:lstStyle/>
+          <a:p>
+            <a:r>
+              <a:rPr lang="en-US" altLang="zh-TW" sz="2400" dirty="0" err="1">
+                <a:latin typeface="微軟正黑體" panose="020B0604030504040204" pitchFamily="34" charset="-120"/>
+                <a:ea typeface="微軟正黑體" panose="020B0604030504040204" pitchFamily="34" charset="-120"/>
+              </a:rPr>
+              <a:t>poch</a:t>
+            </a:r>
+            <a:r>
+              <a:rPr lang="en-US" altLang="zh-TW" sz="2400" dirty="0">
+                <a:latin typeface="微軟正黑體" panose="020B0604030504040204" pitchFamily="34" charset="-120"/>
+                <a:ea typeface="微軟正黑體" panose="020B0604030504040204" pitchFamily="34" charset="-120"/>
+              </a:rPr>
+              <a:t> </a:t>
+            </a:r>
+            <a:r>
+              <a:rPr lang="zh-TW" altLang="en-US" sz="2400" dirty="0">
+                <a:latin typeface="微軟正黑體" panose="020B0604030504040204" pitchFamily="34" charset="-120"/>
+                <a:ea typeface="微軟正黑體" panose="020B0604030504040204" pitchFamily="34" charset="-120"/>
+              </a:rPr>
+              <a:t>會顯示訓練和 </a:t>
+            </a:r>
+            <a:r>
+              <a:rPr lang="en-US" altLang="zh-TW" sz="2400" dirty="0">
+                <a:latin typeface="微軟正黑體" panose="020B0604030504040204" pitchFamily="34" charset="-120"/>
+                <a:ea typeface="微軟正黑體" panose="020B0604030504040204" pitchFamily="34" charset="-120"/>
+              </a:rPr>
+              <a:t>validation </a:t>
+            </a:r>
+            <a:r>
+              <a:rPr lang="zh-TW" altLang="en-US" sz="2400" dirty="0">
+                <a:latin typeface="微軟正黑體" panose="020B0604030504040204" pitchFamily="34" charset="-120"/>
+                <a:ea typeface="微軟正黑體" panose="020B0604030504040204" pitchFamily="34" charset="-120"/>
+              </a:rPr>
+              <a:t>資料的 </a:t>
+            </a:r>
+            <a:r>
+              <a:rPr lang="en-US" altLang="zh-TW" sz="2400" dirty="0">
+                <a:latin typeface="微軟正黑體" panose="020B0604030504040204" pitchFamily="34" charset="-120"/>
+                <a:ea typeface="微軟正黑體" panose="020B0604030504040204" pitchFamily="34" charset="-120"/>
+              </a:rPr>
+              <a:t>loss </a:t>
+            </a:r>
+            <a:r>
+              <a:rPr lang="zh-TW" altLang="en-US" sz="2400" dirty="0">
+                <a:latin typeface="微軟正黑體" panose="020B0604030504040204" pitchFamily="34" charset="-120"/>
+                <a:ea typeface="微軟正黑體" panose="020B0604030504040204" pitchFamily="34" charset="-120"/>
+              </a:rPr>
+              <a:t>和 </a:t>
+            </a:r>
+            <a:r>
+              <a:rPr lang="en-US" altLang="zh-TW" sz="2400" dirty="0">
+                <a:latin typeface="微軟正黑體" panose="020B0604030504040204" pitchFamily="34" charset="-120"/>
+                <a:ea typeface="微軟正黑體" panose="020B0604030504040204" pitchFamily="34" charset="-120"/>
+              </a:rPr>
+              <a:t>accuracy </a:t>
+            </a:r>
+            <a:r>
+              <a:rPr lang="zh-TW" altLang="en-US" sz="2400" dirty="0">
+                <a:latin typeface="微軟正黑體" panose="020B0604030504040204" pitchFamily="34" charset="-120"/>
+                <a:ea typeface="微軟正黑體" panose="020B0604030504040204" pitchFamily="34" charset="-120"/>
+              </a:rPr>
+              <a:t>等資訊</a:t>
+            </a:r>
+          </a:p>
+        </p:txBody>
+      </p:sp>
+      <p:pic>
+        <p:nvPicPr>
+          <p:cNvPr id="3074" name="Picture 2">
+            <a:extLst>
+              <a:ext uri="{FF2B5EF4-FFF2-40B4-BE49-F238E27FC236}">
+                <a16:creationId xmlns:a16="http://schemas.microsoft.com/office/drawing/2014/main" id="{12B2A67C-D680-4AE4-8EA9-E056FAEDD9C0}"/>
+              </a:ext>
+            </a:extLst>
+          </p:cNvPr>
+          <p:cNvPicPr>
+            <a:picLocks noChangeAspect="1" noChangeArrowheads="1"/>
+          </p:cNvPicPr>
+          <p:nvPr/>
+        </p:nvPicPr>
+        <p:blipFill>
+          <a:blip r:embed="rId3">
+            <a:extLst>
+              <a:ext uri="{28A0092B-C50C-407E-A947-70E740481C1C}">
+                <a14:useLocalDpi xmlns:a14="http://schemas.microsoft.com/office/drawing/2010/main" val="0"/>
+              </a:ext>
+            </a:extLst>
+          </a:blip>
+          <a:srcRect/>
+          <a:stretch>
+            <a:fillRect/>
+          </a:stretch>
+        </p:blipFill>
+        <p:spPr bwMode="auto">
+          <a:xfrm>
+            <a:off x="3552459" y="4417155"/>
+            <a:ext cx="2390775" cy="2362200"/>
+          </a:xfrm>
+          <a:prstGeom prst="rect">
+            <a:avLst/>
+          </a:prstGeom>
+          <a:noFill/>
+          <a:extLst>
+            <a:ext uri="{909E8E84-426E-40DD-AFC4-6F175D3DCCD1}">
+              <a14:hiddenFill xmlns:a14="http://schemas.microsoft.com/office/drawing/2010/main">
+                <a:solidFill>
+                  <a:srgbClr val="FFFFFF"/>
+                </a:solidFill>
+              </a14:hiddenFill>
+            </a:ext>
+          </a:extLst>
+        </p:spPr>
+      </p:pic>
+      <p:pic>
+        <p:nvPicPr>
+          <p:cNvPr id="6" name="圖片 5">
+            <a:extLst>
+              <a:ext uri="{FF2B5EF4-FFF2-40B4-BE49-F238E27FC236}">
+                <a16:creationId xmlns:a16="http://schemas.microsoft.com/office/drawing/2014/main" id="{8A8DEA83-3D08-46E8-9507-2592AA0A883B}"/>
+              </a:ext>
+            </a:extLst>
+          </p:cNvPr>
+          <p:cNvPicPr>
+            <a:picLocks noChangeAspect="1"/>
+          </p:cNvPicPr>
+          <p:nvPr/>
+        </p:nvPicPr>
+        <p:blipFill rotWithShape="1">
+          <a:blip r:embed="rId4"/>
+          <a:srcRect r="63859"/>
+          <a:stretch/>
+        </p:blipFill>
+        <p:spPr>
+          <a:xfrm>
+            <a:off x="802657" y="2374015"/>
+            <a:ext cx="5140577" cy="2021773"/>
+          </a:xfrm>
+          <a:prstGeom prst="rect">
+            <a:avLst/>
+          </a:prstGeom>
+        </p:spPr>
+      </p:pic>
+    </p:spTree>
+    <p:extLst>
+      <p:ext uri="{BB962C8B-B14F-4D97-AF65-F5344CB8AC3E}">
+        <p14:creationId xmlns:p14="http://schemas.microsoft.com/office/powerpoint/2010/main" val="1316649018"/>
       </p:ext>
     </p:extLst>
   </p:cSld>
